--- a/material/综合设计/《综合设计》项目纪念册-电池全生命周期健康管理.pptx
+++ b/material/综合设计/《综合设计》项目纪念册-电池全生命周期健康管理.pptx
@@ -219,7 +219,7 @@
           <a:p>
             <a:fld id="{0F9B84EA-7D68-4D60-9CB1-D50884785D1C}" type="datetimeFigureOut">
               <a:rPr lang="zh-CN" altLang="en-US" smtClean="0"/>
-              <a:t>2024/5/24</a:t>
+              <a:t>2024/5/29</a:t>
             </a:fld>
             <a:endParaRPr lang="zh-CN" altLang="en-US"/>
           </a:p>
@@ -384,7 +384,7 @@
           <a:p>
             <a:fld id="{D6C8D182-E4C8-4120-9249-FC9774456FFA}" type="datetimeFigureOut">
               <a:rPr lang="zh-CN" altLang="en-US" smtClean="0"/>
-              <a:t>2024/5/24</a:t>
+              <a:t>2024/5/29</a:t>
             </a:fld>
             <a:endParaRPr lang="zh-CN" altLang="en-US"/>
           </a:p>
@@ -724,7 +724,7 @@
           <a:p>
             <a:fld id="{760FBDFE-C587-4B4C-A407-44438C67B59E}" type="datetimeFigureOut">
               <a:rPr lang="zh-CN" altLang="en-US" smtClean="0"/>
-              <a:t>2024/5/24</a:t>
+              <a:t>2024/5/29</a:t>
             </a:fld>
             <a:endParaRPr lang="zh-CN" altLang="en-US"/>
           </a:p>
@@ -890,7 +890,7 @@
           <a:p>
             <a:fld id="{760FBDFE-C587-4B4C-A407-44438C67B59E}" type="datetimeFigureOut">
               <a:rPr lang="zh-CN" altLang="en-US" smtClean="0"/>
-              <a:t>2024/5/24</a:t>
+              <a:t>2024/5/29</a:t>
             </a:fld>
             <a:endParaRPr lang="zh-CN" altLang="en-US"/>
           </a:p>
@@ -1186,7 +1186,7 @@
           <a:p>
             <a:fld id="{760FBDFE-C587-4B4C-A407-44438C67B59E}" type="datetimeFigureOut">
               <a:rPr lang="zh-CN" altLang="en-US" smtClean="0"/>
-              <a:t>2024/5/24</a:t>
+              <a:t>2024/5/29</a:t>
             </a:fld>
             <a:endParaRPr lang="zh-CN" altLang="en-US"/>
           </a:p>
@@ -1436,7 +1436,7 @@
           <a:p>
             <a:fld id="{760FBDFE-C587-4B4C-A407-44438C67B59E}" type="datetimeFigureOut">
               <a:rPr lang="zh-CN" altLang="en-US" smtClean="0"/>
-              <a:t>2024/5/24</a:t>
+              <a:t>2024/5/29</a:t>
             </a:fld>
             <a:endParaRPr lang="zh-CN" altLang="en-US"/>
           </a:p>
@@ -1815,7 +1815,7 @@
           <a:p>
             <a:fld id="{760FBDFE-C587-4B4C-A407-44438C67B59E}" type="datetimeFigureOut">
               <a:rPr lang="zh-CN" altLang="en-US" smtClean="0"/>
-              <a:t>2024/5/24</a:t>
+              <a:t>2024/5/29</a:t>
             </a:fld>
             <a:endParaRPr lang="zh-CN" altLang="en-US"/>
           </a:p>
@@ -2174,7 +2174,7 @@
           <a:p>
             <a:fld id="{760FBDFE-C587-4B4C-A407-44438C67B59E}" type="datetimeFigureOut">
               <a:rPr lang="zh-CN" altLang="en-US" smtClean="0"/>
-              <a:t>2024/5/24</a:t>
+              <a:t>2024/5/29</a:t>
             </a:fld>
             <a:endParaRPr lang="zh-CN" altLang="en-US"/>
           </a:p>
@@ -2305,7 +2305,7 @@
           <a:p>
             <a:fld id="{760FBDFE-C587-4B4C-A407-44438C67B59E}" type="datetimeFigureOut">
               <a:rPr lang="zh-CN" altLang="en-US" smtClean="0"/>
-              <a:t>2024/5/24</a:t>
+              <a:t>2024/5/29</a:t>
             </a:fld>
             <a:endParaRPr lang="zh-CN" altLang="en-US"/>
           </a:p>
@@ -2395,7 +2395,7 @@
           <a:p>
             <a:fld id="{760FBDFE-C587-4B4C-A407-44438C67B59E}" type="datetimeFigureOut">
               <a:rPr lang="zh-CN" altLang="en-US" smtClean="0"/>
-              <a:t>2024/5/24</a:t>
+              <a:t>2024/5/29</a:t>
             </a:fld>
             <a:endParaRPr lang="zh-CN" altLang="en-US"/>
           </a:p>
@@ -2657,7 +2657,7 @@
           <a:p>
             <a:fld id="{9EFD9D74-47D9-4702-A33C-335B63B48DBF}" type="datetimeFigureOut">
               <a:rPr lang="zh-CN" altLang="en-US" smtClean="0"/>
-              <a:t>2024/5/24</a:t>
+              <a:t>2024/5/29</a:t>
             </a:fld>
             <a:endParaRPr lang="zh-CN" altLang="en-US" dirty="0"/>
           </a:p>
@@ -2866,7 +2866,7 @@
           <a:p>
             <a:fld id="{760FBDFE-C587-4B4C-A407-44438C67B59E}" type="datetimeFigureOut">
               <a:rPr lang="zh-CN" altLang="en-US" smtClean="0"/>
-              <a:t>2024/5/24</a:t>
+              <a:t>2024/5/29</a:t>
             </a:fld>
             <a:endParaRPr lang="zh-CN" altLang="en-US"/>
           </a:p>
@@ -3077,7 +3077,7 @@
           <a:p>
             <a:fld id="{760FBDFE-C587-4B4C-A407-44438C67B59E}" type="datetimeFigureOut">
               <a:rPr lang="zh-CN" altLang="en-US" smtClean="0"/>
-              <a:t>2024/5/24</a:t>
+              <a:t>2024/5/29</a:t>
             </a:fld>
             <a:endParaRPr lang="zh-CN" altLang="en-US"/>
           </a:p>
@@ -3520,7 +3520,7 @@
                 <a:latin typeface="微软雅黑" panose="020B0503020204020204" charset="-122"/>
                 <a:ea typeface="微软雅黑" panose="020B0503020204020204" charset="-122"/>
               </a:rPr>
-              <a:t>电池全生命周期健康管理</a:t>
+              <a:t>电池全生命周期健康管理系统设计</a:t>
             </a:r>
           </a:p>
         </p:txBody>
@@ -4087,10 +4087,10 @@
       </p:pic>
       <p:pic>
         <p:nvPicPr>
-          <p:cNvPr id="32" name="图片 31">
+          <p:cNvPr id="34" name="图片 33">
             <a:extLst>
               <a:ext uri="{FF2B5EF4-FFF2-40B4-BE49-F238E27FC236}">
-                <a16:creationId xmlns:a16="http://schemas.microsoft.com/office/drawing/2014/main" id="{95366169-5ABB-9A6D-CA2D-544A2416EA13}"/>
+                <a16:creationId xmlns:a16="http://schemas.microsoft.com/office/drawing/2014/main" id="{435F65CC-EA8C-7E4D-A278-1E3867AE3829}"/>
               </a:ext>
             </a:extLst>
           </p:cNvPr>
@@ -4099,7 +4099,7 @@
           </p:cNvPicPr>
           <p:nvPr/>
         </p:nvPicPr>
-        <p:blipFill>
+        <p:blipFill rotWithShape="1">
           <a:blip r:embed="rId3" cstate="print">
             <a:extLst>
               <a:ext uri="{28A0092B-C50C-407E-A947-70E740481C1C}">
@@ -4107,26 +4107,641 @@
               </a:ext>
             </a:extLst>
           </a:blip>
-          <a:stretch>
-            <a:fillRect/>
-          </a:stretch>
+          <a:srcRect t="23675" b="22789"/>
+          <a:stretch/>
         </p:blipFill>
         <p:spPr>
           <a:xfrm>
-            <a:off x="3446210" y="5347063"/>
-            <a:ext cx="2932585" cy="1158937"/>
+            <a:off x="5205896" y="1249210"/>
+            <a:ext cx="601199" cy="321856"/>
           </a:xfrm>
           <a:prstGeom prst="rect">
             <a:avLst/>
           </a:prstGeom>
         </p:spPr>
       </p:pic>
+      <p:sp>
+        <p:nvSpPr>
+          <p:cNvPr id="35" name="副标题 2">
+            <a:extLst>
+              <a:ext uri="{FF2B5EF4-FFF2-40B4-BE49-F238E27FC236}">
+                <a16:creationId xmlns:a16="http://schemas.microsoft.com/office/drawing/2014/main" id="{D2BC08FD-B0E3-CA2D-99C3-5080B30DE26C}"/>
+              </a:ext>
+            </a:extLst>
+          </p:cNvPr>
+          <p:cNvSpPr>
+            <a:spLocks noGrp="1"/>
+          </p:cNvSpPr>
+          <p:nvPr/>
+        </p:nvSpPr>
+        <p:spPr>
+          <a:xfrm>
+            <a:off x="523200" y="2346001"/>
+            <a:ext cx="5855595" cy="2821472"/>
+          </a:xfrm>
+          <a:prstGeom prst="rect">
+            <a:avLst/>
+          </a:prstGeom>
+          <a:ln>
+            <a:noFill/>
+          </a:ln>
+        </p:spPr>
+        <p:txBody>
+          <a:bodyPr vert="horz" lIns="91434" tIns="45717" rIns="91434" bIns="45717" rtlCol="0">
+            <a:spAutoFit/>
+          </a:bodyPr>
+          <a:lstStyle>
+            <a:lvl1pPr marL="0" indent="0" algn="ctr" defTabSz="685800" rtl="0" eaLnBrk="1" latinLnBrk="0" hangingPunct="1">
+              <a:lnSpc>
+                <a:spcPct val="90000"/>
+              </a:lnSpc>
+              <a:spcBef>
+                <a:spcPts val="750"/>
+              </a:spcBef>
+              <a:buFont typeface="Arial" panose="020B0604020202020204" pitchFamily="34" charset="0"/>
+              <a:buNone/>
+              <a:defRPr sz="1350" kern="1200">
+                <a:solidFill>
+                  <a:schemeClr val="tx1">
+                    <a:lumMod val="75000"/>
+                    <a:lumOff val="25000"/>
+                  </a:schemeClr>
+                </a:solidFill>
+                <a:effectLst/>
+                <a:latin typeface="+mj-lt"/>
+                <a:ea typeface="+mj-ea"/>
+                <a:cs typeface="+mn-cs"/>
+              </a:defRPr>
+            </a:lvl1pPr>
+            <a:lvl2pPr marL="342900" indent="0" algn="ctr" defTabSz="685800" rtl="0" eaLnBrk="1" latinLnBrk="0" hangingPunct="1">
+              <a:lnSpc>
+                <a:spcPct val="90000"/>
+              </a:lnSpc>
+              <a:spcBef>
+                <a:spcPts val="375"/>
+              </a:spcBef>
+              <a:buFont typeface="Arial" panose="020B0604020202020204" pitchFamily="34" charset="0"/>
+              <a:buNone/>
+              <a:defRPr sz="1500" kern="1200">
+                <a:solidFill>
+                  <a:schemeClr val="tx1"/>
+                </a:solidFill>
+                <a:latin typeface="+mn-lt"/>
+                <a:ea typeface="+mn-ea"/>
+                <a:cs typeface="+mn-cs"/>
+              </a:defRPr>
+            </a:lvl2pPr>
+            <a:lvl3pPr marL="685800" indent="0" algn="ctr" defTabSz="685800" rtl="0" eaLnBrk="1" latinLnBrk="0" hangingPunct="1">
+              <a:lnSpc>
+                <a:spcPct val="90000"/>
+              </a:lnSpc>
+              <a:spcBef>
+                <a:spcPts val="375"/>
+              </a:spcBef>
+              <a:buFont typeface="Arial" panose="020B0604020202020204" pitchFamily="34" charset="0"/>
+              <a:buNone/>
+              <a:defRPr sz="1350" kern="1200">
+                <a:solidFill>
+                  <a:schemeClr val="tx1"/>
+                </a:solidFill>
+                <a:latin typeface="+mn-lt"/>
+                <a:ea typeface="+mn-ea"/>
+                <a:cs typeface="+mn-cs"/>
+              </a:defRPr>
+            </a:lvl3pPr>
+            <a:lvl4pPr marL="1028700" indent="0" algn="ctr" defTabSz="685800" rtl="0" eaLnBrk="1" latinLnBrk="0" hangingPunct="1">
+              <a:lnSpc>
+                <a:spcPct val="90000"/>
+              </a:lnSpc>
+              <a:spcBef>
+                <a:spcPts val="375"/>
+              </a:spcBef>
+              <a:buFont typeface="Arial" panose="020B0604020202020204" pitchFamily="34" charset="0"/>
+              <a:buNone/>
+              <a:defRPr sz="1200" kern="1200">
+                <a:solidFill>
+                  <a:schemeClr val="tx1"/>
+                </a:solidFill>
+                <a:latin typeface="+mn-lt"/>
+                <a:ea typeface="+mn-ea"/>
+                <a:cs typeface="+mn-cs"/>
+              </a:defRPr>
+            </a:lvl4pPr>
+            <a:lvl5pPr marL="1371600" indent="0" algn="ctr" defTabSz="685800" rtl="0" eaLnBrk="1" latinLnBrk="0" hangingPunct="1">
+              <a:lnSpc>
+                <a:spcPct val="90000"/>
+              </a:lnSpc>
+              <a:spcBef>
+                <a:spcPts val="375"/>
+              </a:spcBef>
+              <a:buFont typeface="Arial" panose="020B0604020202020204" pitchFamily="34" charset="0"/>
+              <a:buNone/>
+              <a:defRPr sz="1200" kern="1200">
+                <a:solidFill>
+                  <a:schemeClr val="tx1"/>
+                </a:solidFill>
+                <a:latin typeface="+mn-lt"/>
+                <a:ea typeface="+mn-ea"/>
+                <a:cs typeface="+mn-cs"/>
+              </a:defRPr>
+            </a:lvl5pPr>
+            <a:lvl6pPr marL="1714500" indent="0" algn="ctr" defTabSz="685800" rtl="0" eaLnBrk="1" latinLnBrk="0" hangingPunct="1">
+              <a:lnSpc>
+                <a:spcPct val="90000"/>
+              </a:lnSpc>
+              <a:spcBef>
+                <a:spcPts val="375"/>
+              </a:spcBef>
+              <a:buFont typeface="Arial" panose="020B0604020202020204" pitchFamily="34" charset="0"/>
+              <a:buNone/>
+              <a:defRPr sz="1200" kern="1200">
+                <a:solidFill>
+                  <a:schemeClr val="tx1"/>
+                </a:solidFill>
+                <a:latin typeface="+mn-lt"/>
+                <a:ea typeface="+mn-ea"/>
+                <a:cs typeface="+mn-cs"/>
+              </a:defRPr>
+            </a:lvl6pPr>
+            <a:lvl7pPr marL="2057400" indent="0" algn="ctr" defTabSz="685800" rtl="0" eaLnBrk="1" latinLnBrk="0" hangingPunct="1">
+              <a:lnSpc>
+                <a:spcPct val="90000"/>
+              </a:lnSpc>
+              <a:spcBef>
+                <a:spcPts val="375"/>
+              </a:spcBef>
+              <a:buFont typeface="Arial" panose="020B0604020202020204" pitchFamily="34" charset="0"/>
+              <a:buNone/>
+              <a:defRPr sz="1200" kern="1200">
+                <a:solidFill>
+                  <a:schemeClr val="tx1"/>
+                </a:solidFill>
+                <a:latin typeface="+mn-lt"/>
+                <a:ea typeface="+mn-ea"/>
+                <a:cs typeface="+mn-cs"/>
+              </a:defRPr>
+            </a:lvl7pPr>
+            <a:lvl8pPr marL="2400300" indent="0" algn="ctr" defTabSz="685800" rtl="0" eaLnBrk="1" latinLnBrk="0" hangingPunct="1">
+              <a:lnSpc>
+                <a:spcPct val="90000"/>
+              </a:lnSpc>
+              <a:spcBef>
+                <a:spcPts val="375"/>
+              </a:spcBef>
+              <a:buFont typeface="Arial" panose="020B0604020202020204" pitchFamily="34" charset="0"/>
+              <a:buNone/>
+              <a:defRPr sz="1200" kern="1200">
+                <a:solidFill>
+                  <a:schemeClr val="tx1"/>
+                </a:solidFill>
+                <a:latin typeface="+mn-lt"/>
+                <a:ea typeface="+mn-ea"/>
+                <a:cs typeface="+mn-cs"/>
+              </a:defRPr>
+            </a:lvl8pPr>
+            <a:lvl9pPr marL="2743200" indent="0" algn="ctr" defTabSz="685800" rtl="0" eaLnBrk="1" latinLnBrk="0" hangingPunct="1">
+              <a:lnSpc>
+                <a:spcPct val="90000"/>
+              </a:lnSpc>
+              <a:spcBef>
+                <a:spcPts val="375"/>
+              </a:spcBef>
+              <a:buFont typeface="Arial" panose="020B0604020202020204" pitchFamily="34" charset="0"/>
+              <a:buNone/>
+              <a:defRPr sz="1200" kern="1200">
+                <a:solidFill>
+                  <a:schemeClr val="tx1"/>
+                </a:solidFill>
+                <a:latin typeface="+mn-lt"/>
+                <a:ea typeface="+mn-ea"/>
+                <a:cs typeface="+mn-cs"/>
+              </a:defRPr>
+            </a:lvl9pPr>
+          </a:lstStyle>
+          <a:p>
+            <a:pPr indent="254000" algn="just" fontAlgn="auto">
+              <a:lnSpc>
+                <a:spcPct val="150000"/>
+              </a:lnSpc>
+              <a:spcBef>
+                <a:spcPts val="0"/>
+              </a:spcBef>
+              <a:extLst>
+                <a:ext uri="{35155182-B16C-46BC-9424-99874614C6A1}">
+                  <wpsdc:indentchars xmlns="" xmlns:wpsdc="http://www.wps.cn/officeDocument/2017/drawingmlCustomData" val="200" checksum="3013784323"/>
+                </a:ext>
+              </a:extLst>
+            </a:pPr>
+            <a:r>
+              <a:rPr lang="zh-CN" altLang="en-US" sz="995" dirty="0">
+                <a:solidFill>
+                  <a:schemeClr val="tx1"/>
+                </a:solidFill>
+                <a:latin typeface="微软雅黑" panose="020B0503020204020204" charset="-122"/>
+                <a:ea typeface="微软雅黑" panose="020B0503020204020204" charset="-122"/>
+                <a:sym typeface="+mn-ea"/>
+              </a:rPr>
+              <a:t>锂电池在新能源汽车等领域应用规模日渐庞大，对于电池健康状态的监测和管理无疑是一项重要的工作。本项目旨在利用电池的特征数据，通过深度神经网络（</a:t>
+            </a:r>
+            <a:r>
+              <a:rPr lang="en-US" altLang="zh-CN" sz="995" dirty="0">
+                <a:solidFill>
+                  <a:schemeClr val="tx1"/>
+                </a:solidFill>
+                <a:latin typeface="微软雅黑" panose="020B0503020204020204" charset="-122"/>
+                <a:ea typeface="微软雅黑" panose="020B0503020204020204" charset="-122"/>
+                <a:sym typeface="+mn-ea"/>
+              </a:rPr>
+              <a:t>DNN</a:t>
+            </a:r>
+            <a:r>
+              <a:rPr lang="zh-CN" altLang="en-US" sz="995" dirty="0">
+                <a:solidFill>
+                  <a:schemeClr val="tx1"/>
+                </a:solidFill>
+                <a:latin typeface="微软雅黑" panose="020B0503020204020204" charset="-122"/>
+                <a:ea typeface="微软雅黑" panose="020B0503020204020204" charset="-122"/>
+                <a:sym typeface="+mn-ea"/>
+              </a:rPr>
+              <a:t>）预测电池的容量并计算健康状态（</a:t>
+            </a:r>
+            <a:r>
+              <a:rPr lang="en-US" altLang="zh-CN" sz="995" dirty="0">
+                <a:solidFill>
+                  <a:schemeClr val="tx1"/>
+                </a:solidFill>
+                <a:latin typeface="微软雅黑" panose="020B0503020204020204" charset="-122"/>
+                <a:ea typeface="微软雅黑" panose="020B0503020204020204" charset="-122"/>
+                <a:sym typeface="+mn-ea"/>
+              </a:rPr>
+              <a:t>SOH</a:t>
+            </a:r>
+            <a:r>
+              <a:rPr lang="zh-CN" altLang="en-US" sz="995" dirty="0">
+                <a:solidFill>
+                  <a:schemeClr val="tx1"/>
+                </a:solidFill>
+                <a:latin typeface="微软雅黑" panose="020B0503020204020204" charset="-122"/>
+                <a:ea typeface="微软雅黑" panose="020B0503020204020204" charset="-122"/>
+                <a:sym typeface="+mn-ea"/>
+              </a:rPr>
+              <a:t>），并结合历史容量数据预测电池的剩余使用寿命（</a:t>
+            </a:r>
+            <a:r>
+              <a:rPr lang="en-US" altLang="zh-CN" sz="995" dirty="0">
+                <a:solidFill>
+                  <a:schemeClr val="tx1"/>
+                </a:solidFill>
+                <a:latin typeface="微软雅黑" panose="020B0503020204020204" charset="-122"/>
+                <a:ea typeface="微软雅黑" panose="020B0503020204020204" charset="-122"/>
+                <a:sym typeface="+mn-ea"/>
+              </a:rPr>
+              <a:t>RUL</a:t>
+            </a:r>
+            <a:r>
+              <a:rPr lang="zh-CN" altLang="en-US" sz="995" dirty="0">
+                <a:solidFill>
+                  <a:schemeClr val="tx1"/>
+                </a:solidFill>
+                <a:latin typeface="微软雅黑" panose="020B0503020204020204" charset="-122"/>
+                <a:ea typeface="微软雅黑" panose="020B0503020204020204" charset="-122"/>
+                <a:sym typeface="+mn-ea"/>
+              </a:rPr>
+              <a:t>）。项目创新性地结合锂电池的充放电曲线以及电化学阻抗谱（</a:t>
+            </a:r>
+            <a:r>
+              <a:rPr lang="en-US" altLang="zh-CN" sz="995" dirty="0">
+                <a:solidFill>
+                  <a:schemeClr val="tx1"/>
+                </a:solidFill>
+                <a:latin typeface="微软雅黑" panose="020B0503020204020204" charset="-122"/>
+                <a:ea typeface="微软雅黑" panose="020B0503020204020204" charset="-122"/>
+                <a:sym typeface="+mn-ea"/>
+              </a:rPr>
+              <a:t>EIS</a:t>
+            </a:r>
+            <a:r>
+              <a:rPr lang="zh-CN" altLang="en-US" sz="995" dirty="0">
+                <a:solidFill>
+                  <a:schemeClr val="tx1"/>
+                </a:solidFill>
+                <a:latin typeface="微软雅黑" panose="020B0503020204020204" charset="-122"/>
+                <a:ea typeface="微软雅黑" panose="020B0503020204020204" charset="-122"/>
+                <a:sym typeface="+mn-ea"/>
+              </a:rPr>
+              <a:t>）协同完成容量预测任务，在多个数据集上均取得较好的预测结果。</a:t>
+            </a:r>
+          </a:p>
+          <a:p>
+            <a:pPr indent="254000" algn="just" fontAlgn="auto">
+              <a:lnSpc>
+                <a:spcPct val="150000"/>
+              </a:lnSpc>
+              <a:spcBef>
+                <a:spcPts val="0"/>
+              </a:spcBef>
+              <a:extLst>
+                <a:ext uri="{35155182-B16C-46BC-9424-99874614C6A1}">
+                  <wpsdc:indentchars xmlns:wpsdc="http://www.wps.cn/officeDocument/2017/drawingmlCustomData" xmlns="" val="200" checksum="3013784323"/>
+                </a:ext>
+              </a:extLst>
+            </a:pPr>
+            <a:r>
+              <a:rPr lang="zh-CN" altLang="en-US" sz="995" dirty="0">
+                <a:solidFill>
+                  <a:schemeClr val="tx1"/>
+                </a:solidFill>
+                <a:latin typeface="微软雅黑" panose="020B0503020204020204" charset="-122"/>
+                <a:ea typeface="微软雅黑" panose="020B0503020204020204" charset="-122"/>
+                <a:sym typeface="+mn-ea"/>
+              </a:rPr>
+              <a:t>项目团队由材料学与电化学方向、微电子与芯片设计方向、计算机科学与工程方向的三个子团队构成。材料学与电化学团队使用电化学工作站对电池的充放电曲线与电化学阻抗谱进行测量并提供微观</a:t>
+            </a:r>
+            <a:r>
+              <a:rPr lang="en-US" altLang="zh-CN" sz="995" dirty="0">
+                <a:solidFill>
+                  <a:schemeClr val="tx1"/>
+                </a:solidFill>
+                <a:latin typeface="微软雅黑" panose="020B0503020204020204" charset="-122"/>
+                <a:ea typeface="微软雅黑" panose="020B0503020204020204" charset="-122"/>
+                <a:sym typeface="+mn-ea"/>
+              </a:rPr>
+              <a:t>/</a:t>
+            </a:r>
+            <a:r>
+              <a:rPr lang="zh-CN" altLang="en-US" sz="995" dirty="0">
+                <a:solidFill>
+                  <a:schemeClr val="tx1"/>
+                </a:solidFill>
+                <a:latin typeface="微软雅黑" panose="020B0503020204020204" charset="-122"/>
+                <a:ea typeface="微软雅黑" panose="020B0503020204020204" charset="-122"/>
+                <a:sym typeface="+mn-ea"/>
+              </a:rPr>
+              <a:t>宏观电化学机理的解释；微电子团队负责芯片的设计与制造，芯片集成了多种关键指标的测量功能；计算机团队利用测得的数据设计、验证模型并将模型部署至电池智慧管理平台上。</a:t>
+            </a:r>
+            <a:endParaRPr lang="en-US" altLang="zh-CN" sz="995" dirty="0">
+              <a:solidFill>
+                <a:schemeClr val="tx1"/>
+              </a:solidFill>
+              <a:latin typeface="微软雅黑" panose="020B0503020204020204" charset="-122"/>
+              <a:ea typeface="微软雅黑" panose="020B0503020204020204" charset="-122"/>
+              <a:sym typeface="+mn-ea"/>
+            </a:endParaRPr>
+          </a:p>
+          <a:p>
+            <a:pPr indent="254000" algn="just" fontAlgn="auto">
+              <a:lnSpc>
+                <a:spcPct val="150000"/>
+              </a:lnSpc>
+              <a:spcBef>
+                <a:spcPts val="0"/>
+              </a:spcBef>
+              <a:extLst>
+                <a:ext uri="{35155182-B16C-46BC-9424-99874614C6A1}">
+                  <wpsdc:indentchars xmlns="" xmlns:wpsdc="http://www.wps.cn/officeDocument/2017/drawingmlCustomData" val="200" checksum="3013784323"/>
+                </a:ext>
+              </a:extLst>
+            </a:pPr>
+            <a:r>
+              <a:rPr lang="zh-CN" altLang="en-US" sz="995" dirty="0">
+                <a:solidFill>
+                  <a:schemeClr val="tx1"/>
+                </a:solidFill>
+                <a:latin typeface="微软雅黑" panose="020B0503020204020204" charset="-122"/>
+                <a:ea typeface="微软雅黑" panose="020B0503020204020204" charset="-122"/>
+                <a:sym typeface="+mn-ea"/>
+              </a:rPr>
+              <a:t>项目团队测量多组</a:t>
+            </a:r>
+            <a:r>
+              <a:rPr lang="en-US" altLang="zh-CN" sz="995" dirty="0">
+                <a:solidFill>
+                  <a:schemeClr val="tx1"/>
+                </a:solidFill>
+                <a:latin typeface="微软雅黑" panose="020B0503020204020204" charset="-122"/>
+                <a:ea typeface="微软雅黑" panose="020B0503020204020204" charset="-122"/>
+                <a:sym typeface="+mn-ea"/>
+              </a:rPr>
+              <a:t>18650</a:t>
+            </a:r>
+            <a:r>
+              <a:rPr lang="zh-CN" altLang="en-US" sz="995" dirty="0">
+                <a:solidFill>
+                  <a:schemeClr val="tx1"/>
+                </a:solidFill>
+                <a:latin typeface="微软雅黑" panose="020B0503020204020204" charset="-122"/>
+                <a:ea typeface="微软雅黑" panose="020B0503020204020204" charset="-122"/>
+                <a:sym typeface="+mn-ea"/>
+              </a:rPr>
+              <a:t>锂电池及纽扣电池的充放电曲线、电化学阻抗谱及容量下降曲线。深度神经网络容量预测模型及时间窗口回归模型在上述数据集和开源数据集上均取得最大平均相对误差（</a:t>
+            </a:r>
+            <a:r>
+              <a:rPr lang="en-US" altLang="zh-CN" sz="995" dirty="0">
+                <a:solidFill>
+                  <a:schemeClr val="tx1"/>
+                </a:solidFill>
+                <a:latin typeface="微软雅黑" panose="020B0503020204020204" charset="-122"/>
+                <a:ea typeface="微软雅黑" panose="020B0503020204020204" charset="-122"/>
+                <a:sym typeface="+mn-ea"/>
+              </a:rPr>
+              <a:t>MRE</a:t>
+            </a:r>
+            <a:r>
+              <a:rPr lang="zh-CN" altLang="en-US" sz="995" dirty="0">
+                <a:solidFill>
+                  <a:schemeClr val="tx1"/>
+                </a:solidFill>
+                <a:latin typeface="微软雅黑" panose="020B0503020204020204" charset="-122"/>
+                <a:ea typeface="微软雅黑" panose="020B0503020204020204" charset="-122"/>
+                <a:sym typeface="+mn-ea"/>
+              </a:rPr>
+              <a:t>）小于</a:t>
+            </a:r>
+            <a:r>
+              <a:rPr lang="en-US" altLang="zh-CN" sz="995" dirty="0">
+                <a:solidFill>
+                  <a:schemeClr val="tx1"/>
+                </a:solidFill>
+                <a:latin typeface="微软雅黑" panose="020B0503020204020204" charset="-122"/>
+                <a:ea typeface="微软雅黑" panose="020B0503020204020204" charset="-122"/>
+                <a:sym typeface="+mn-ea"/>
+              </a:rPr>
+              <a:t>2%</a:t>
+            </a:r>
+            <a:r>
+              <a:rPr lang="zh-CN" altLang="en-US" sz="995" dirty="0">
+                <a:solidFill>
+                  <a:schemeClr val="tx1"/>
+                </a:solidFill>
+                <a:latin typeface="微软雅黑" panose="020B0503020204020204" charset="-122"/>
+                <a:ea typeface="微软雅黑" panose="020B0503020204020204" charset="-122"/>
+                <a:sym typeface="+mn-ea"/>
+              </a:rPr>
+              <a:t>的优良预测结果。同时，微电子团队设计出先进的测量芯片，计算机工程团队设计并开发嵌入预训练模型的电池健康管理平台。</a:t>
+            </a:r>
+          </a:p>
+        </p:txBody>
+      </p:sp>
+      <p:sp>
+        <p:nvSpPr>
+          <p:cNvPr id="38" name="文本框 37">
+            <a:extLst>
+              <a:ext uri="{FF2B5EF4-FFF2-40B4-BE49-F238E27FC236}">
+                <a16:creationId xmlns:a16="http://schemas.microsoft.com/office/drawing/2014/main" id="{A937A72C-AD1A-E0A4-4195-6FF86F1061BA}"/>
+              </a:ext>
+            </a:extLst>
+          </p:cNvPr>
+          <p:cNvSpPr txBox="1"/>
+          <p:nvPr/>
+        </p:nvSpPr>
+        <p:spPr>
+          <a:xfrm>
+            <a:off x="3862271" y="6747382"/>
+            <a:ext cx="2038953" cy="230832"/>
+          </a:xfrm>
+          <a:prstGeom prst="rect">
+            <a:avLst/>
+          </a:prstGeom>
+          <a:noFill/>
+        </p:spPr>
+        <p:txBody>
+          <a:bodyPr wrap="square" rtlCol="0">
+            <a:spAutoFit/>
+          </a:bodyPr>
+          <a:lstStyle/>
+          <a:p>
+            <a:pPr algn="ctr"/>
+            <a:r>
+              <a:rPr lang="zh-CN" altLang="en-US" sz="900" b="1" dirty="0">
+                <a:solidFill>
+                  <a:schemeClr val="tx1"/>
+                </a:solidFill>
+                <a:latin typeface="微软雅黑" panose="020B0503020204020204" charset="-122"/>
+                <a:ea typeface="微软雅黑" panose="020B0503020204020204" charset="-122"/>
+                <a:cs typeface="微软雅黑" panose="020B0503020204020204" charset="-122"/>
+              </a:rPr>
+              <a:t>图</a:t>
+            </a:r>
+            <a:r>
+              <a:rPr lang="en-US" altLang="zh-CN" sz="900" b="1" dirty="0">
+                <a:latin typeface="微软雅黑" panose="020B0503020204020204" charset="-122"/>
+                <a:ea typeface="微软雅黑" panose="020B0503020204020204" charset="-122"/>
+                <a:cs typeface="微软雅黑" panose="020B0503020204020204" charset="-122"/>
+              </a:rPr>
+              <a:t>2</a:t>
+            </a:r>
+            <a:r>
+              <a:rPr lang="en-US" altLang="zh-CN" sz="900" b="1" dirty="0">
+                <a:solidFill>
+                  <a:schemeClr val="tx1"/>
+                </a:solidFill>
+                <a:latin typeface="微软雅黑" panose="020B0503020204020204" charset="-122"/>
+                <a:ea typeface="微软雅黑" panose="020B0503020204020204" charset="-122"/>
+                <a:cs typeface="微软雅黑" panose="020B0503020204020204" charset="-122"/>
+              </a:rPr>
+              <a:t> </a:t>
+            </a:r>
+            <a:r>
+              <a:rPr lang="zh-CN" altLang="en-US" sz="900" b="1" dirty="0">
+                <a:solidFill>
+                  <a:schemeClr val="tx1"/>
+                </a:solidFill>
+                <a:latin typeface="微软雅黑" panose="020B0503020204020204" charset="-122"/>
+                <a:ea typeface="微软雅黑" panose="020B0503020204020204" charset="-122"/>
+                <a:cs typeface="微软雅黑" panose="020B0503020204020204" charset="-122"/>
+              </a:rPr>
+              <a:t> 跨学科团队协同合作</a:t>
+            </a:r>
+          </a:p>
+        </p:txBody>
+      </p:sp>
+      <p:sp>
+        <p:nvSpPr>
+          <p:cNvPr id="41" name="文本框 40">
+            <a:extLst>
+              <a:ext uri="{FF2B5EF4-FFF2-40B4-BE49-F238E27FC236}">
+                <a16:creationId xmlns:a16="http://schemas.microsoft.com/office/drawing/2014/main" id="{8CD1356A-7A1D-DB5E-F5C1-B80A1318DB8F}"/>
+              </a:ext>
+            </a:extLst>
+          </p:cNvPr>
+          <p:cNvSpPr txBox="1"/>
+          <p:nvPr/>
+        </p:nvSpPr>
+        <p:spPr>
+          <a:xfrm>
+            <a:off x="887404" y="6747382"/>
+            <a:ext cx="2094165" cy="230832"/>
+          </a:xfrm>
+          <a:prstGeom prst="rect">
+            <a:avLst/>
+          </a:prstGeom>
+          <a:noFill/>
+        </p:spPr>
+        <p:txBody>
+          <a:bodyPr wrap="square" rtlCol="0">
+            <a:spAutoFit/>
+          </a:bodyPr>
+          <a:lstStyle/>
+          <a:p>
+            <a:pPr algn="ctr"/>
+            <a:r>
+              <a:rPr lang="zh-CN" altLang="en-US" sz="900" b="1" dirty="0">
+                <a:solidFill>
+                  <a:schemeClr val="tx1"/>
+                </a:solidFill>
+                <a:latin typeface="微软雅黑" panose="020B0503020204020204" charset="-122"/>
+                <a:ea typeface="微软雅黑" panose="020B0503020204020204" charset="-122"/>
+                <a:cs typeface="微软雅黑" panose="020B0503020204020204" charset="-122"/>
+              </a:rPr>
+              <a:t>图</a:t>
+            </a:r>
+            <a:r>
+              <a:rPr lang="en-US" altLang="zh-CN" sz="900" b="1" dirty="0">
+                <a:solidFill>
+                  <a:schemeClr val="tx1"/>
+                </a:solidFill>
+                <a:latin typeface="微软雅黑" panose="020B0503020204020204" charset="-122"/>
+                <a:ea typeface="微软雅黑" panose="020B0503020204020204" charset="-122"/>
+                <a:cs typeface="微软雅黑" panose="020B0503020204020204" charset="-122"/>
+              </a:rPr>
+              <a:t>1 </a:t>
+            </a:r>
+            <a:r>
+              <a:rPr lang="zh-CN" altLang="en-US" sz="900" b="1" dirty="0">
+                <a:solidFill>
+                  <a:schemeClr val="tx1"/>
+                </a:solidFill>
+                <a:latin typeface="微软雅黑" panose="020B0503020204020204" charset="-122"/>
+                <a:ea typeface="微软雅黑" panose="020B0503020204020204" charset="-122"/>
+                <a:cs typeface="微软雅黑" panose="020B0503020204020204" charset="-122"/>
+              </a:rPr>
+              <a:t> </a:t>
+            </a:r>
+            <a:r>
+              <a:rPr lang="zh-CN" altLang="en-US" sz="900" b="1" dirty="0">
+                <a:latin typeface="微软雅黑" panose="020B0503020204020204" charset="-122"/>
+                <a:ea typeface="微软雅黑" panose="020B0503020204020204" charset="-122"/>
+                <a:cs typeface="微软雅黑" panose="020B0503020204020204" charset="-122"/>
+              </a:rPr>
+              <a:t>电池全生命周期数字化管理</a:t>
+            </a:r>
+            <a:endParaRPr lang="zh-CN" altLang="en-US" sz="900" b="1" dirty="0">
+              <a:solidFill>
+                <a:schemeClr val="tx1"/>
+              </a:solidFill>
+              <a:latin typeface="微软雅黑" panose="020B0503020204020204" charset="-122"/>
+              <a:ea typeface="微软雅黑" panose="020B0503020204020204" charset="-122"/>
+              <a:cs typeface="微软雅黑" panose="020B0503020204020204" charset="-122"/>
+            </a:endParaRPr>
+          </a:p>
+        </p:txBody>
+      </p:sp>
       <p:pic>
         <p:nvPicPr>
-          <p:cNvPr id="34" name="图片 33">
+          <p:cNvPr id="44" name="图片 43">
             <a:extLst>
               <a:ext uri="{FF2B5EF4-FFF2-40B4-BE49-F238E27FC236}">
-                <a16:creationId xmlns:a16="http://schemas.microsoft.com/office/drawing/2014/main" id="{435F65CC-EA8C-7E4D-A278-1E3867AE3829}"/>
+                <a16:creationId xmlns:a16="http://schemas.microsoft.com/office/drawing/2014/main" id="{E2BF44B8-2BE2-D722-F68A-59875C66C5A3}"/>
               </a:ext>
             </a:extLst>
           </p:cNvPr>
@@ -4143,657 +4758,6 @@
               </a:ext>
             </a:extLst>
           </a:blip>
-          <a:srcRect t="23675" b="22789"/>
-          <a:stretch/>
-        </p:blipFill>
-        <p:spPr>
-          <a:xfrm>
-            <a:off x="5205896" y="1249210"/>
-            <a:ext cx="601199" cy="321856"/>
-          </a:xfrm>
-          <a:prstGeom prst="rect">
-            <a:avLst/>
-          </a:prstGeom>
-        </p:spPr>
-      </p:pic>
-      <p:sp>
-        <p:nvSpPr>
-          <p:cNvPr id="35" name="副标题 2">
-            <a:extLst>
-              <a:ext uri="{FF2B5EF4-FFF2-40B4-BE49-F238E27FC236}">
-                <a16:creationId xmlns:a16="http://schemas.microsoft.com/office/drawing/2014/main" id="{D2BC08FD-B0E3-CA2D-99C3-5080B30DE26C}"/>
-              </a:ext>
-            </a:extLst>
-          </p:cNvPr>
-          <p:cNvSpPr>
-            <a:spLocks noGrp="1"/>
-          </p:cNvSpPr>
-          <p:nvPr/>
-        </p:nvSpPr>
-        <p:spPr>
-          <a:xfrm>
-            <a:off x="523200" y="2346001"/>
-            <a:ext cx="5855595" cy="2821472"/>
-          </a:xfrm>
-          <a:prstGeom prst="rect">
-            <a:avLst/>
-          </a:prstGeom>
-          <a:ln>
-            <a:noFill/>
-          </a:ln>
-        </p:spPr>
-        <p:txBody>
-          <a:bodyPr vert="horz" lIns="91434" tIns="45717" rIns="91434" bIns="45717" rtlCol="0">
-            <a:spAutoFit/>
-          </a:bodyPr>
-          <a:lstStyle>
-            <a:lvl1pPr marL="0" indent="0" algn="ctr" defTabSz="685800" rtl="0" eaLnBrk="1" latinLnBrk="0" hangingPunct="1">
-              <a:lnSpc>
-                <a:spcPct val="90000"/>
-              </a:lnSpc>
-              <a:spcBef>
-                <a:spcPts val="750"/>
-              </a:spcBef>
-              <a:buFont typeface="Arial" panose="020B0604020202020204" pitchFamily="34" charset="0"/>
-              <a:buNone/>
-              <a:defRPr sz="1350" kern="1200">
-                <a:solidFill>
-                  <a:schemeClr val="tx1">
-                    <a:lumMod val="75000"/>
-                    <a:lumOff val="25000"/>
-                  </a:schemeClr>
-                </a:solidFill>
-                <a:effectLst/>
-                <a:latin typeface="+mj-lt"/>
-                <a:ea typeface="+mj-ea"/>
-                <a:cs typeface="+mn-cs"/>
-              </a:defRPr>
-            </a:lvl1pPr>
-            <a:lvl2pPr marL="342900" indent="0" algn="ctr" defTabSz="685800" rtl="0" eaLnBrk="1" latinLnBrk="0" hangingPunct="1">
-              <a:lnSpc>
-                <a:spcPct val="90000"/>
-              </a:lnSpc>
-              <a:spcBef>
-                <a:spcPts val="375"/>
-              </a:spcBef>
-              <a:buFont typeface="Arial" panose="020B0604020202020204" pitchFamily="34" charset="0"/>
-              <a:buNone/>
-              <a:defRPr sz="1500" kern="1200">
-                <a:solidFill>
-                  <a:schemeClr val="tx1"/>
-                </a:solidFill>
-                <a:latin typeface="+mn-lt"/>
-                <a:ea typeface="+mn-ea"/>
-                <a:cs typeface="+mn-cs"/>
-              </a:defRPr>
-            </a:lvl2pPr>
-            <a:lvl3pPr marL="685800" indent="0" algn="ctr" defTabSz="685800" rtl="0" eaLnBrk="1" latinLnBrk="0" hangingPunct="1">
-              <a:lnSpc>
-                <a:spcPct val="90000"/>
-              </a:lnSpc>
-              <a:spcBef>
-                <a:spcPts val="375"/>
-              </a:spcBef>
-              <a:buFont typeface="Arial" panose="020B0604020202020204" pitchFamily="34" charset="0"/>
-              <a:buNone/>
-              <a:defRPr sz="1350" kern="1200">
-                <a:solidFill>
-                  <a:schemeClr val="tx1"/>
-                </a:solidFill>
-                <a:latin typeface="+mn-lt"/>
-                <a:ea typeface="+mn-ea"/>
-                <a:cs typeface="+mn-cs"/>
-              </a:defRPr>
-            </a:lvl3pPr>
-            <a:lvl4pPr marL="1028700" indent="0" algn="ctr" defTabSz="685800" rtl="0" eaLnBrk="1" latinLnBrk="0" hangingPunct="1">
-              <a:lnSpc>
-                <a:spcPct val="90000"/>
-              </a:lnSpc>
-              <a:spcBef>
-                <a:spcPts val="375"/>
-              </a:spcBef>
-              <a:buFont typeface="Arial" panose="020B0604020202020204" pitchFamily="34" charset="0"/>
-              <a:buNone/>
-              <a:defRPr sz="1200" kern="1200">
-                <a:solidFill>
-                  <a:schemeClr val="tx1"/>
-                </a:solidFill>
-                <a:latin typeface="+mn-lt"/>
-                <a:ea typeface="+mn-ea"/>
-                <a:cs typeface="+mn-cs"/>
-              </a:defRPr>
-            </a:lvl4pPr>
-            <a:lvl5pPr marL="1371600" indent="0" algn="ctr" defTabSz="685800" rtl="0" eaLnBrk="1" latinLnBrk="0" hangingPunct="1">
-              <a:lnSpc>
-                <a:spcPct val="90000"/>
-              </a:lnSpc>
-              <a:spcBef>
-                <a:spcPts val="375"/>
-              </a:spcBef>
-              <a:buFont typeface="Arial" panose="020B0604020202020204" pitchFamily="34" charset="0"/>
-              <a:buNone/>
-              <a:defRPr sz="1200" kern="1200">
-                <a:solidFill>
-                  <a:schemeClr val="tx1"/>
-                </a:solidFill>
-                <a:latin typeface="+mn-lt"/>
-                <a:ea typeface="+mn-ea"/>
-                <a:cs typeface="+mn-cs"/>
-              </a:defRPr>
-            </a:lvl5pPr>
-            <a:lvl6pPr marL="1714500" indent="0" algn="ctr" defTabSz="685800" rtl="0" eaLnBrk="1" latinLnBrk="0" hangingPunct="1">
-              <a:lnSpc>
-                <a:spcPct val="90000"/>
-              </a:lnSpc>
-              <a:spcBef>
-                <a:spcPts val="375"/>
-              </a:spcBef>
-              <a:buFont typeface="Arial" panose="020B0604020202020204" pitchFamily="34" charset="0"/>
-              <a:buNone/>
-              <a:defRPr sz="1200" kern="1200">
-                <a:solidFill>
-                  <a:schemeClr val="tx1"/>
-                </a:solidFill>
-                <a:latin typeface="+mn-lt"/>
-                <a:ea typeface="+mn-ea"/>
-                <a:cs typeface="+mn-cs"/>
-              </a:defRPr>
-            </a:lvl6pPr>
-            <a:lvl7pPr marL="2057400" indent="0" algn="ctr" defTabSz="685800" rtl="0" eaLnBrk="1" latinLnBrk="0" hangingPunct="1">
-              <a:lnSpc>
-                <a:spcPct val="90000"/>
-              </a:lnSpc>
-              <a:spcBef>
-                <a:spcPts val="375"/>
-              </a:spcBef>
-              <a:buFont typeface="Arial" panose="020B0604020202020204" pitchFamily="34" charset="0"/>
-              <a:buNone/>
-              <a:defRPr sz="1200" kern="1200">
-                <a:solidFill>
-                  <a:schemeClr val="tx1"/>
-                </a:solidFill>
-                <a:latin typeface="+mn-lt"/>
-                <a:ea typeface="+mn-ea"/>
-                <a:cs typeface="+mn-cs"/>
-              </a:defRPr>
-            </a:lvl7pPr>
-            <a:lvl8pPr marL="2400300" indent="0" algn="ctr" defTabSz="685800" rtl="0" eaLnBrk="1" latinLnBrk="0" hangingPunct="1">
-              <a:lnSpc>
-                <a:spcPct val="90000"/>
-              </a:lnSpc>
-              <a:spcBef>
-                <a:spcPts val="375"/>
-              </a:spcBef>
-              <a:buFont typeface="Arial" panose="020B0604020202020204" pitchFamily="34" charset="0"/>
-              <a:buNone/>
-              <a:defRPr sz="1200" kern="1200">
-                <a:solidFill>
-                  <a:schemeClr val="tx1"/>
-                </a:solidFill>
-                <a:latin typeface="+mn-lt"/>
-                <a:ea typeface="+mn-ea"/>
-                <a:cs typeface="+mn-cs"/>
-              </a:defRPr>
-            </a:lvl8pPr>
-            <a:lvl9pPr marL="2743200" indent="0" algn="ctr" defTabSz="685800" rtl="0" eaLnBrk="1" latinLnBrk="0" hangingPunct="1">
-              <a:lnSpc>
-                <a:spcPct val="90000"/>
-              </a:lnSpc>
-              <a:spcBef>
-                <a:spcPts val="375"/>
-              </a:spcBef>
-              <a:buFont typeface="Arial" panose="020B0604020202020204" pitchFamily="34" charset="0"/>
-              <a:buNone/>
-              <a:defRPr sz="1200" kern="1200">
-                <a:solidFill>
-                  <a:schemeClr val="tx1"/>
-                </a:solidFill>
-                <a:latin typeface="+mn-lt"/>
-                <a:ea typeface="+mn-ea"/>
-                <a:cs typeface="+mn-cs"/>
-              </a:defRPr>
-            </a:lvl9pPr>
-          </a:lstStyle>
-          <a:p>
-            <a:pPr indent="254000" algn="just" fontAlgn="auto">
-              <a:lnSpc>
-                <a:spcPct val="150000"/>
-              </a:lnSpc>
-              <a:spcBef>
-                <a:spcPts val="0"/>
-              </a:spcBef>
-              <a:extLst>
-                <a:ext uri="{35155182-B16C-46BC-9424-99874614C6A1}">
-                  <wpsdc:indentchars xmlns:wpsdc="http://www.wps.cn/officeDocument/2017/drawingmlCustomData" xmlns="" val="200" checksum="3013784323"/>
-                </a:ext>
-              </a:extLst>
-            </a:pPr>
-            <a:r>
-              <a:rPr lang="zh-CN" altLang="en-US" sz="995" dirty="0">
-                <a:solidFill>
-                  <a:schemeClr val="tx1"/>
-                </a:solidFill>
-                <a:latin typeface="微软雅黑" panose="020B0503020204020204" charset="-122"/>
-                <a:ea typeface="微软雅黑" panose="020B0503020204020204" charset="-122"/>
-                <a:sym typeface="+mn-ea"/>
-              </a:rPr>
-              <a:t>锂电池在新能源汽车等领域应用规模日渐庞大，对于电池健康状态的监测和管理无疑是一项重要的工作。本项目旨在利用电池的特征数据，通过深度神经网络（</a:t>
-            </a:r>
-            <a:r>
-              <a:rPr lang="en-US" altLang="zh-CN" sz="995" dirty="0">
-                <a:solidFill>
-                  <a:schemeClr val="tx1"/>
-                </a:solidFill>
-                <a:latin typeface="微软雅黑" panose="020B0503020204020204" charset="-122"/>
-                <a:ea typeface="微软雅黑" panose="020B0503020204020204" charset="-122"/>
-                <a:sym typeface="+mn-ea"/>
-              </a:rPr>
-              <a:t>DNN</a:t>
-            </a:r>
-            <a:r>
-              <a:rPr lang="zh-CN" altLang="en-US" sz="995" dirty="0">
-                <a:solidFill>
-                  <a:schemeClr val="tx1"/>
-                </a:solidFill>
-                <a:latin typeface="微软雅黑" panose="020B0503020204020204" charset="-122"/>
-                <a:ea typeface="微软雅黑" panose="020B0503020204020204" charset="-122"/>
-                <a:sym typeface="+mn-ea"/>
-              </a:rPr>
-              <a:t>）预测电池的容量并计算健康状态（</a:t>
-            </a:r>
-            <a:r>
-              <a:rPr lang="en-US" altLang="zh-CN" sz="995" dirty="0">
-                <a:solidFill>
-                  <a:schemeClr val="tx1"/>
-                </a:solidFill>
-                <a:latin typeface="微软雅黑" panose="020B0503020204020204" charset="-122"/>
-                <a:ea typeface="微软雅黑" panose="020B0503020204020204" charset="-122"/>
-                <a:sym typeface="+mn-ea"/>
-              </a:rPr>
-              <a:t>SOH</a:t>
-            </a:r>
-            <a:r>
-              <a:rPr lang="zh-CN" altLang="en-US" sz="995" dirty="0">
-                <a:solidFill>
-                  <a:schemeClr val="tx1"/>
-                </a:solidFill>
-                <a:latin typeface="微软雅黑" panose="020B0503020204020204" charset="-122"/>
-                <a:ea typeface="微软雅黑" panose="020B0503020204020204" charset="-122"/>
-                <a:sym typeface="+mn-ea"/>
-              </a:rPr>
-              <a:t>），并结合历史容量数据预测电池的剩余使用寿命（</a:t>
-            </a:r>
-            <a:r>
-              <a:rPr lang="en-US" altLang="zh-CN" sz="995" dirty="0">
-                <a:solidFill>
-                  <a:schemeClr val="tx1"/>
-                </a:solidFill>
-                <a:latin typeface="微软雅黑" panose="020B0503020204020204" charset="-122"/>
-                <a:ea typeface="微软雅黑" panose="020B0503020204020204" charset="-122"/>
-                <a:sym typeface="+mn-ea"/>
-              </a:rPr>
-              <a:t>RUL</a:t>
-            </a:r>
-            <a:r>
-              <a:rPr lang="zh-CN" altLang="en-US" sz="995" dirty="0">
-                <a:solidFill>
-                  <a:schemeClr val="tx1"/>
-                </a:solidFill>
-                <a:latin typeface="微软雅黑" panose="020B0503020204020204" charset="-122"/>
-                <a:ea typeface="微软雅黑" panose="020B0503020204020204" charset="-122"/>
-                <a:sym typeface="+mn-ea"/>
-              </a:rPr>
-              <a:t>）。项目创新性地结合锂电池的充放电曲线以及电化学阻抗谱（</a:t>
-            </a:r>
-            <a:r>
-              <a:rPr lang="en-US" altLang="zh-CN" sz="995" dirty="0">
-                <a:solidFill>
-                  <a:schemeClr val="tx1"/>
-                </a:solidFill>
-                <a:latin typeface="微软雅黑" panose="020B0503020204020204" charset="-122"/>
-                <a:ea typeface="微软雅黑" panose="020B0503020204020204" charset="-122"/>
-                <a:sym typeface="+mn-ea"/>
-              </a:rPr>
-              <a:t>EIS</a:t>
-            </a:r>
-            <a:r>
-              <a:rPr lang="zh-CN" altLang="en-US" sz="995" dirty="0">
-                <a:solidFill>
-                  <a:schemeClr val="tx1"/>
-                </a:solidFill>
-                <a:latin typeface="微软雅黑" panose="020B0503020204020204" charset="-122"/>
-                <a:ea typeface="微软雅黑" panose="020B0503020204020204" charset="-122"/>
-                <a:sym typeface="+mn-ea"/>
-              </a:rPr>
-              <a:t>）协同完成容量预测任务，在多个数据集上均取得较好的预测结果。</a:t>
-            </a:r>
-          </a:p>
-          <a:p>
-            <a:pPr indent="254000" algn="just" fontAlgn="auto">
-              <a:lnSpc>
-                <a:spcPct val="150000"/>
-              </a:lnSpc>
-              <a:spcBef>
-                <a:spcPts val="0"/>
-              </a:spcBef>
-              <a:extLst>
-                <a:ext uri="{35155182-B16C-46BC-9424-99874614C6A1}">
-                  <wpsdc:indentchars xmlns="" xmlns:wpsdc="http://www.wps.cn/officeDocument/2017/drawingmlCustomData" val="200" checksum="3013784323"/>
-                </a:ext>
-              </a:extLst>
-            </a:pPr>
-            <a:r>
-              <a:rPr lang="zh-CN" altLang="en-US" sz="995" dirty="0">
-                <a:solidFill>
-                  <a:schemeClr val="tx1"/>
-                </a:solidFill>
-                <a:latin typeface="微软雅黑" panose="020B0503020204020204" charset="-122"/>
-                <a:ea typeface="微软雅黑" panose="020B0503020204020204" charset="-122"/>
-                <a:sym typeface="+mn-ea"/>
-              </a:rPr>
-              <a:t>项目团队由材料学与电化学方向、微电子与芯片设计方向、计算机科学与工程方向的三个子团队构成。材料学与电化学团队使用电化学工作站对电池的充放电曲线与电化学阻抗谱进行测量并提供微观</a:t>
-            </a:r>
-            <a:r>
-              <a:rPr lang="en-US" altLang="zh-CN" sz="995" dirty="0">
-                <a:solidFill>
-                  <a:schemeClr val="tx1"/>
-                </a:solidFill>
-                <a:latin typeface="微软雅黑" panose="020B0503020204020204" charset="-122"/>
-                <a:ea typeface="微软雅黑" panose="020B0503020204020204" charset="-122"/>
-                <a:sym typeface="+mn-ea"/>
-              </a:rPr>
-              <a:t>/</a:t>
-            </a:r>
-            <a:r>
-              <a:rPr lang="zh-CN" altLang="en-US" sz="995" dirty="0">
-                <a:solidFill>
-                  <a:schemeClr val="tx1"/>
-                </a:solidFill>
-                <a:latin typeface="微软雅黑" panose="020B0503020204020204" charset="-122"/>
-                <a:ea typeface="微软雅黑" panose="020B0503020204020204" charset="-122"/>
-                <a:sym typeface="+mn-ea"/>
-              </a:rPr>
-              <a:t>宏观电化学机理的解释；微电子团队负责芯片的设计与制造，芯片集成了多种关键指标的测量功能；计算机团队利用测得的数据设计、验证模型并将模型部署至电池智慧管理平台上。</a:t>
-            </a:r>
-            <a:endParaRPr lang="en-US" altLang="zh-CN" sz="995" dirty="0">
-              <a:solidFill>
-                <a:schemeClr val="tx1"/>
-              </a:solidFill>
-              <a:latin typeface="微软雅黑" panose="020B0503020204020204" charset="-122"/>
-              <a:ea typeface="微软雅黑" panose="020B0503020204020204" charset="-122"/>
-              <a:sym typeface="+mn-ea"/>
-            </a:endParaRPr>
-          </a:p>
-          <a:p>
-            <a:pPr indent="254000" algn="just" fontAlgn="auto">
-              <a:lnSpc>
-                <a:spcPct val="150000"/>
-              </a:lnSpc>
-              <a:spcBef>
-                <a:spcPts val="0"/>
-              </a:spcBef>
-              <a:extLst>
-                <a:ext uri="{35155182-B16C-46BC-9424-99874614C6A1}">
-                  <wpsdc:indentchars xmlns:wpsdc="http://www.wps.cn/officeDocument/2017/drawingmlCustomData" xmlns="" val="200" checksum="3013784323"/>
-                </a:ext>
-              </a:extLst>
-            </a:pPr>
-            <a:r>
-              <a:rPr lang="zh-CN" altLang="en-US" sz="995" dirty="0">
-                <a:solidFill>
-                  <a:schemeClr val="tx1"/>
-                </a:solidFill>
-                <a:latin typeface="微软雅黑" panose="020B0503020204020204" charset="-122"/>
-                <a:ea typeface="微软雅黑" panose="020B0503020204020204" charset="-122"/>
-                <a:sym typeface="+mn-ea"/>
-              </a:rPr>
-              <a:t>项目团队测量多组</a:t>
-            </a:r>
-            <a:r>
-              <a:rPr lang="en-US" altLang="zh-CN" sz="995" dirty="0">
-                <a:solidFill>
-                  <a:schemeClr val="tx1"/>
-                </a:solidFill>
-                <a:latin typeface="微软雅黑" panose="020B0503020204020204" charset="-122"/>
-                <a:ea typeface="微软雅黑" panose="020B0503020204020204" charset="-122"/>
-                <a:sym typeface="+mn-ea"/>
-              </a:rPr>
-              <a:t>18650</a:t>
-            </a:r>
-            <a:r>
-              <a:rPr lang="zh-CN" altLang="en-US" sz="995" dirty="0">
-                <a:solidFill>
-                  <a:schemeClr val="tx1"/>
-                </a:solidFill>
-                <a:latin typeface="微软雅黑" panose="020B0503020204020204" charset="-122"/>
-                <a:ea typeface="微软雅黑" panose="020B0503020204020204" charset="-122"/>
-                <a:sym typeface="+mn-ea"/>
-              </a:rPr>
-              <a:t>锂电池及纽扣电池的充放电曲线、电化学阻抗谱及容量下降曲线。深度神经网络容量预测模型及时间窗口回归模型在上述数据集和开源数据集上均取得最大平均相对误差（</a:t>
-            </a:r>
-            <a:r>
-              <a:rPr lang="en-US" altLang="zh-CN" sz="995" dirty="0">
-                <a:solidFill>
-                  <a:schemeClr val="tx1"/>
-                </a:solidFill>
-                <a:latin typeface="微软雅黑" panose="020B0503020204020204" charset="-122"/>
-                <a:ea typeface="微软雅黑" panose="020B0503020204020204" charset="-122"/>
-                <a:sym typeface="+mn-ea"/>
-              </a:rPr>
-              <a:t>MRE</a:t>
-            </a:r>
-            <a:r>
-              <a:rPr lang="zh-CN" altLang="en-US" sz="995" dirty="0">
-                <a:solidFill>
-                  <a:schemeClr val="tx1"/>
-                </a:solidFill>
-                <a:latin typeface="微软雅黑" panose="020B0503020204020204" charset="-122"/>
-                <a:ea typeface="微软雅黑" panose="020B0503020204020204" charset="-122"/>
-                <a:sym typeface="+mn-ea"/>
-              </a:rPr>
-              <a:t>）小于</a:t>
-            </a:r>
-            <a:r>
-              <a:rPr lang="en-US" altLang="zh-CN" sz="995" dirty="0">
-                <a:solidFill>
-                  <a:schemeClr val="tx1"/>
-                </a:solidFill>
-                <a:latin typeface="微软雅黑" panose="020B0503020204020204" charset="-122"/>
-                <a:ea typeface="微软雅黑" panose="020B0503020204020204" charset="-122"/>
-                <a:sym typeface="+mn-ea"/>
-              </a:rPr>
-              <a:t>2%</a:t>
-            </a:r>
-            <a:r>
-              <a:rPr lang="zh-CN" altLang="en-US" sz="995" dirty="0">
-                <a:solidFill>
-                  <a:schemeClr val="tx1"/>
-                </a:solidFill>
-                <a:latin typeface="微软雅黑" panose="020B0503020204020204" charset="-122"/>
-                <a:ea typeface="微软雅黑" panose="020B0503020204020204" charset="-122"/>
-                <a:sym typeface="+mn-ea"/>
-              </a:rPr>
-              <a:t>的优良预测结果。同时，微电子团队设计出先进的测量芯片，计算机工程团队设计并开发嵌入预训练模型的电池健康管理平台。</a:t>
-            </a:r>
-          </a:p>
-        </p:txBody>
-      </p:sp>
-      <p:sp>
-        <p:nvSpPr>
-          <p:cNvPr id="38" name="文本框 37">
-            <a:extLst>
-              <a:ext uri="{FF2B5EF4-FFF2-40B4-BE49-F238E27FC236}">
-                <a16:creationId xmlns:a16="http://schemas.microsoft.com/office/drawing/2014/main" id="{A937A72C-AD1A-E0A4-4195-6FF86F1061BA}"/>
-              </a:ext>
-            </a:extLst>
-          </p:cNvPr>
-          <p:cNvSpPr txBox="1"/>
-          <p:nvPr/>
-        </p:nvSpPr>
-        <p:spPr>
-          <a:xfrm>
-            <a:off x="3862271" y="6747382"/>
-            <a:ext cx="2038953" cy="230832"/>
-          </a:xfrm>
-          <a:prstGeom prst="rect">
-            <a:avLst/>
-          </a:prstGeom>
-          <a:noFill/>
-        </p:spPr>
-        <p:txBody>
-          <a:bodyPr wrap="square" rtlCol="0">
-            <a:spAutoFit/>
-          </a:bodyPr>
-          <a:lstStyle/>
-          <a:p>
-            <a:pPr algn="ctr"/>
-            <a:r>
-              <a:rPr lang="zh-CN" altLang="en-US" sz="900" b="1" dirty="0">
-                <a:solidFill>
-                  <a:schemeClr val="tx1"/>
-                </a:solidFill>
-                <a:latin typeface="微软雅黑" panose="020B0503020204020204" charset="-122"/>
-                <a:ea typeface="微软雅黑" panose="020B0503020204020204" charset="-122"/>
-                <a:cs typeface="微软雅黑" panose="020B0503020204020204" charset="-122"/>
-              </a:rPr>
-              <a:t>图</a:t>
-            </a:r>
-            <a:r>
-              <a:rPr lang="en-US" altLang="zh-CN" sz="900" b="1" dirty="0">
-                <a:latin typeface="微软雅黑" panose="020B0503020204020204" charset="-122"/>
-                <a:ea typeface="微软雅黑" panose="020B0503020204020204" charset="-122"/>
-                <a:cs typeface="微软雅黑" panose="020B0503020204020204" charset="-122"/>
-              </a:rPr>
-              <a:t>2</a:t>
-            </a:r>
-            <a:r>
-              <a:rPr lang="en-US" altLang="zh-CN" sz="900" b="1" dirty="0">
-                <a:solidFill>
-                  <a:schemeClr val="tx1"/>
-                </a:solidFill>
-                <a:latin typeface="微软雅黑" panose="020B0503020204020204" charset="-122"/>
-                <a:ea typeface="微软雅黑" panose="020B0503020204020204" charset="-122"/>
-                <a:cs typeface="微软雅黑" panose="020B0503020204020204" charset="-122"/>
-              </a:rPr>
-              <a:t> </a:t>
-            </a:r>
-            <a:r>
-              <a:rPr lang="zh-CN" altLang="en-US" sz="900" b="1" dirty="0">
-                <a:solidFill>
-                  <a:schemeClr val="tx1"/>
-                </a:solidFill>
-                <a:latin typeface="微软雅黑" panose="020B0503020204020204" charset="-122"/>
-                <a:ea typeface="微软雅黑" panose="020B0503020204020204" charset="-122"/>
-                <a:cs typeface="微软雅黑" panose="020B0503020204020204" charset="-122"/>
-              </a:rPr>
-              <a:t> 跨学科团队协同合作</a:t>
-            </a:r>
-          </a:p>
-        </p:txBody>
-      </p:sp>
-      <p:sp>
-        <p:nvSpPr>
-          <p:cNvPr id="41" name="文本框 40">
-            <a:extLst>
-              <a:ext uri="{FF2B5EF4-FFF2-40B4-BE49-F238E27FC236}">
-                <a16:creationId xmlns:a16="http://schemas.microsoft.com/office/drawing/2014/main" id="{8CD1356A-7A1D-DB5E-F5C1-B80A1318DB8F}"/>
-              </a:ext>
-            </a:extLst>
-          </p:cNvPr>
-          <p:cNvSpPr txBox="1"/>
-          <p:nvPr/>
-        </p:nvSpPr>
-        <p:spPr>
-          <a:xfrm>
-            <a:off x="887404" y="6747382"/>
-            <a:ext cx="2094165" cy="230832"/>
-          </a:xfrm>
-          <a:prstGeom prst="rect">
-            <a:avLst/>
-          </a:prstGeom>
-          <a:noFill/>
-        </p:spPr>
-        <p:txBody>
-          <a:bodyPr wrap="square" rtlCol="0">
-            <a:spAutoFit/>
-          </a:bodyPr>
-          <a:lstStyle/>
-          <a:p>
-            <a:pPr algn="ctr"/>
-            <a:r>
-              <a:rPr lang="zh-CN" altLang="en-US" sz="900" b="1" dirty="0">
-                <a:solidFill>
-                  <a:schemeClr val="tx1"/>
-                </a:solidFill>
-                <a:latin typeface="微软雅黑" panose="020B0503020204020204" charset="-122"/>
-                <a:ea typeface="微软雅黑" panose="020B0503020204020204" charset="-122"/>
-                <a:cs typeface="微软雅黑" panose="020B0503020204020204" charset="-122"/>
-              </a:rPr>
-              <a:t>图</a:t>
-            </a:r>
-            <a:r>
-              <a:rPr lang="en-US" altLang="zh-CN" sz="900" b="1" dirty="0">
-                <a:solidFill>
-                  <a:schemeClr val="tx1"/>
-                </a:solidFill>
-                <a:latin typeface="微软雅黑" panose="020B0503020204020204" charset="-122"/>
-                <a:ea typeface="微软雅黑" panose="020B0503020204020204" charset="-122"/>
-                <a:cs typeface="微软雅黑" panose="020B0503020204020204" charset="-122"/>
-              </a:rPr>
-              <a:t>1 </a:t>
-            </a:r>
-            <a:r>
-              <a:rPr lang="zh-CN" altLang="en-US" sz="900" b="1" dirty="0">
-                <a:solidFill>
-                  <a:schemeClr val="tx1"/>
-                </a:solidFill>
-                <a:latin typeface="微软雅黑" panose="020B0503020204020204" charset="-122"/>
-                <a:ea typeface="微软雅黑" panose="020B0503020204020204" charset="-122"/>
-                <a:cs typeface="微软雅黑" panose="020B0503020204020204" charset="-122"/>
-              </a:rPr>
-              <a:t> </a:t>
-            </a:r>
-            <a:r>
-              <a:rPr lang="zh-CN" altLang="en-US" sz="900" b="1" dirty="0">
-                <a:latin typeface="微软雅黑" panose="020B0503020204020204" charset="-122"/>
-                <a:ea typeface="微软雅黑" panose="020B0503020204020204" charset="-122"/>
-                <a:cs typeface="微软雅黑" panose="020B0503020204020204" charset="-122"/>
-              </a:rPr>
-              <a:t>电池全生命周期数字化管理</a:t>
-            </a:r>
-            <a:endParaRPr lang="zh-CN" altLang="en-US" sz="900" b="1" dirty="0">
-              <a:solidFill>
-                <a:schemeClr val="tx1"/>
-              </a:solidFill>
-              <a:latin typeface="微软雅黑" panose="020B0503020204020204" charset="-122"/>
-              <a:ea typeface="微软雅黑" panose="020B0503020204020204" charset="-122"/>
-              <a:cs typeface="微软雅黑" panose="020B0503020204020204" charset="-122"/>
-            </a:endParaRPr>
-          </a:p>
-        </p:txBody>
-      </p:sp>
-      <p:pic>
-        <p:nvPicPr>
-          <p:cNvPr id="44" name="图片 43">
-            <a:extLst>
-              <a:ext uri="{FF2B5EF4-FFF2-40B4-BE49-F238E27FC236}">
-                <a16:creationId xmlns:a16="http://schemas.microsoft.com/office/drawing/2014/main" id="{E2BF44B8-2BE2-D722-F68A-59875C66C5A3}"/>
-              </a:ext>
-            </a:extLst>
-          </p:cNvPr>
-          <p:cNvPicPr>
-            <a:picLocks noChangeAspect="1"/>
-          </p:cNvPicPr>
-          <p:nvPr/>
-        </p:nvPicPr>
-        <p:blipFill rotWithShape="1">
-          <a:blip r:embed="rId5" cstate="print">
-            <a:extLst>
-              <a:ext uri="{28A0092B-C50C-407E-A947-70E740481C1C}">
-                <a14:useLocalDpi xmlns:a14="http://schemas.microsoft.com/office/drawing/2010/main" val="0"/>
-              </a:ext>
-            </a:extLst>
-          </a:blip>
           <a:srcRect t="18768" b="8707"/>
           <a:stretch/>
         </p:blipFill>
@@ -4801,76 +4765,6 @@
           <a:xfrm>
             <a:off x="523200" y="7263727"/>
             <a:ext cx="1711037" cy="1362614"/>
-          </a:xfrm>
-          <a:prstGeom prst="rect">
-            <a:avLst/>
-          </a:prstGeom>
-        </p:spPr>
-      </p:pic>
-      <p:pic>
-        <p:nvPicPr>
-          <p:cNvPr id="45" name="图片 44">
-            <a:extLst>
-              <a:ext uri="{FF2B5EF4-FFF2-40B4-BE49-F238E27FC236}">
-                <a16:creationId xmlns:a16="http://schemas.microsoft.com/office/drawing/2014/main" id="{15674030-BEA2-24CA-185F-74FE0D4BC7AD}"/>
-              </a:ext>
-            </a:extLst>
-          </p:cNvPr>
-          <p:cNvPicPr>
-            <a:picLocks noChangeAspect="1"/>
-          </p:cNvPicPr>
-          <p:nvPr/>
-        </p:nvPicPr>
-        <p:blipFill rotWithShape="1">
-          <a:blip r:embed="rId6" cstate="print">
-            <a:extLst>
-              <a:ext uri="{28A0092B-C50C-407E-A947-70E740481C1C}">
-                <a14:useLocalDpi xmlns:a14="http://schemas.microsoft.com/office/drawing/2010/main" val="0"/>
-              </a:ext>
-            </a:extLst>
-          </a:blip>
-          <a:srcRect t="6230"/>
-          <a:stretch/>
-        </p:blipFill>
-        <p:spPr>
-          <a:xfrm>
-            <a:off x="2363908" y="7331381"/>
-            <a:ext cx="1912093" cy="1369668"/>
-          </a:xfrm>
-          <a:prstGeom prst="rect">
-            <a:avLst/>
-          </a:prstGeom>
-        </p:spPr>
-      </p:pic>
-      <p:pic>
-        <p:nvPicPr>
-          <p:cNvPr id="46" name="图片 45">
-            <a:extLst>
-              <a:ext uri="{FF2B5EF4-FFF2-40B4-BE49-F238E27FC236}">
-                <a16:creationId xmlns:a16="http://schemas.microsoft.com/office/drawing/2014/main" id="{BA5FC74C-D1BB-8206-CE3C-8019DD15081D}"/>
-              </a:ext>
-            </a:extLst>
-          </p:cNvPr>
-          <p:cNvPicPr>
-            <a:picLocks noChangeAspect="1"/>
-          </p:cNvPicPr>
-          <p:nvPr/>
-        </p:nvPicPr>
-        <p:blipFill rotWithShape="1">
-          <a:blip r:embed="rId7" cstate="print">
-            <a:extLst>
-              <a:ext uri="{28A0092B-C50C-407E-A947-70E740481C1C}">
-                <a14:useLocalDpi xmlns:a14="http://schemas.microsoft.com/office/drawing/2010/main" val="0"/>
-              </a:ext>
-            </a:extLst>
-          </a:blip>
-          <a:srcRect t="7373"/>
-          <a:stretch/>
-        </p:blipFill>
-        <p:spPr>
-          <a:xfrm>
-            <a:off x="4405672" y="7331381"/>
-            <a:ext cx="2201648" cy="1371600"/>
           </a:xfrm>
           <a:prstGeom prst="rect">
             <a:avLst/>
@@ -5008,6 +4902,114 @@
           <p:nvPr/>
         </p:nvPicPr>
         <p:blipFill>
+          <a:blip r:embed="rId5" cstate="print">
+            <a:extLst>
+              <a:ext uri="{28A0092B-C50C-407E-A947-70E740481C1C}">
+                <a14:useLocalDpi xmlns:a14="http://schemas.microsoft.com/office/drawing/2010/main" val="0"/>
+              </a:ext>
+            </a:extLst>
+          </a:blip>
+          <a:stretch>
+            <a:fillRect/>
+          </a:stretch>
+        </p:blipFill>
+        <p:spPr>
+          <a:xfrm>
+            <a:off x="523200" y="5262051"/>
+            <a:ext cx="2772994" cy="1485533"/>
+          </a:xfrm>
+          <a:prstGeom prst="rect">
+            <a:avLst/>
+          </a:prstGeom>
+        </p:spPr>
+      </p:pic>
+      <p:pic>
+        <p:nvPicPr>
+          <p:cNvPr id="10" name="图片 9">
+            <a:extLst>
+              <a:ext uri="{FF2B5EF4-FFF2-40B4-BE49-F238E27FC236}">
+                <a16:creationId xmlns:a16="http://schemas.microsoft.com/office/drawing/2014/main" id="{A2B56742-23B7-38E6-86D3-F8383370CE90}"/>
+              </a:ext>
+            </a:extLst>
+          </p:cNvPr>
+          <p:cNvPicPr>
+            <a:picLocks noChangeAspect="1"/>
+          </p:cNvPicPr>
+          <p:nvPr/>
+        </p:nvPicPr>
+        <p:blipFill>
+          <a:blip r:embed="rId6" cstate="print">
+            <a:extLst>
+              <a:ext uri="{28A0092B-C50C-407E-A947-70E740481C1C}">
+                <a14:useLocalDpi xmlns:a14="http://schemas.microsoft.com/office/drawing/2010/main" val="0"/>
+              </a:ext>
+            </a:extLst>
+          </a:blip>
+          <a:stretch>
+            <a:fillRect/>
+          </a:stretch>
+        </p:blipFill>
+        <p:spPr>
+          <a:xfrm>
+            <a:off x="3594188" y="5392548"/>
+            <a:ext cx="2934000" cy="1129759"/>
+          </a:xfrm>
+          <a:prstGeom prst="rect">
+            <a:avLst/>
+          </a:prstGeom>
+        </p:spPr>
+      </p:pic>
+      <p:pic>
+        <p:nvPicPr>
+          <p:cNvPr id="18" name="图片 17">
+            <a:extLst>
+              <a:ext uri="{FF2B5EF4-FFF2-40B4-BE49-F238E27FC236}">
+                <a16:creationId xmlns:a16="http://schemas.microsoft.com/office/drawing/2014/main" id="{A2C6E584-1552-B518-EED2-4422BC61EE79}"/>
+              </a:ext>
+            </a:extLst>
+          </p:cNvPr>
+          <p:cNvPicPr>
+            <a:picLocks noChangeAspect="1"/>
+          </p:cNvPicPr>
+          <p:nvPr/>
+        </p:nvPicPr>
+        <p:blipFill>
+          <a:blip r:embed="rId7" cstate="print">
+            <a:extLst>
+              <a:ext uri="{28A0092B-C50C-407E-A947-70E740481C1C}">
+                <a14:useLocalDpi xmlns:a14="http://schemas.microsoft.com/office/drawing/2010/main" val="0"/>
+              </a:ext>
+            </a:extLst>
+          </a:blip>
+          <a:stretch>
+            <a:fillRect/>
+          </a:stretch>
+        </p:blipFill>
+        <p:spPr>
+          <a:xfrm>
+            <a:off x="2364154" y="7149153"/>
+            <a:ext cx="1911600" cy="1553828"/>
+          </a:xfrm>
+          <a:prstGeom prst="rect">
+            <a:avLst/>
+          </a:prstGeom>
+        </p:spPr>
+      </p:pic>
+      <p:pic>
+        <p:nvPicPr>
+          <p:cNvPr id="20" name="图片 19">
+            <a:extLst>
+              <a:ext uri="{FF2B5EF4-FFF2-40B4-BE49-F238E27FC236}">
+                <a16:creationId xmlns:a16="http://schemas.microsoft.com/office/drawing/2014/main" id="{17A80CF4-1140-8008-F194-248B06FE1859}"/>
+              </a:ext>
+            </a:extLst>
+          </p:cNvPr>
+          <p:cNvPicPr>
+            <a:picLocks noChangeAspect="1"/>
+          </p:cNvPicPr>
+          <p:nvPr/>
+        </p:nvPicPr>
+        <p:blipFill>
           <a:blip r:embed="rId8" cstate="print">
             <a:extLst>
               <a:ext uri="{28A0092B-C50C-407E-A947-70E740481C1C}">
@@ -5021,8 +5023,8 @@
         </p:blipFill>
         <p:spPr>
           <a:xfrm>
-            <a:off x="523200" y="5262051"/>
-            <a:ext cx="2772994" cy="1485533"/>
+            <a:off x="4404895" y="7128833"/>
+            <a:ext cx="2203200" cy="1574148"/>
           </a:xfrm>
           <a:prstGeom prst="rect">
             <a:avLst/>
@@ -5094,7 +5096,7 @@
                 <a:latin typeface="微软雅黑" panose="020B0503020204020204" charset="-122"/>
                 <a:ea typeface="微软雅黑" panose="020B0503020204020204" charset="-122"/>
               </a:rPr>
-              <a:t>Battery Lifecycle Health Management</a:t>
+              <a:t>Battery Lifecycle Health Management System</a:t>
             </a:r>
           </a:p>
         </p:txBody>
@@ -5287,7 +5289,7 @@
         </p:nvSpPr>
         <p:spPr>
           <a:xfrm>
-            <a:off x="3405627" y="7015685"/>
+            <a:off x="3472008" y="7015685"/>
             <a:ext cx="2879570" cy="230832"/>
           </a:xfrm>
           <a:prstGeom prst="rect">
@@ -5445,12 +5447,605 @@
           </a:prstGeom>
         </p:spPr>
       </p:pic>
+      <p:sp>
+        <p:nvSpPr>
+          <p:cNvPr id="48" name="文本框 47">
+            <a:extLst>
+              <a:ext uri="{FF2B5EF4-FFF2-40B4-BE49-F238E27FC236}">
+                <a16:creationId xmlns:a16="http://schemas.microsoft.com/office/drawing/2014/main" id="{355E83E0-9549-AF0F-F95C-B91F18385B71}"/>
+              </a:ext>
+            </a:extLst>
+          </p:cNvPr>
+          <p:cNvSpPr txBox="1"/>
+          <p:nvPr/>
+        </p:nvSpPr>
+        <p:spPr>
+          <a:xfrm>
+            <a:off x="4621719" y="8991955"/>
+            <a:ext cx="1906469" cy="369332"/>
+          </a:xfrm>
+          <a:prstGeom prst="rect">
+            <a:avLst/>
+          </a:prstGeom>
+          <a:noFill/>
+        </p:spPr>
+        <p:txBody>
+          <a:bodyPr wrap="square" rtlCol="0">
+            <a:spAutoFit/>
+          </a:bodyPr>
+          <a:lstStyle/>
+          <a:p>
+            <a:pPr algn="ctr"/>
+            <a:r>
+              <a:rPr lang="en-US" altLang="zh-CN" sz="900" b="1" dirty="0">
+                <a:latin typeface="微软雅黑" panose="020B0503020204020204" charset="-122"/>
+                <a:ea typeface="微软雅黑" panose="020B0503020204020204" charset="-122"/>
+                <a:cs typeface="微软雅黑" panose="020B0503020204020204" charset="-122"/>
+              </a:rPr>
+              <a:t>Fig.</a:t>
+            </a:r>
+            <a:r>
+              <a:rPr lang="en-US" altLang="zh-CN" sz="900" b="1" dirty="0">
+                <a:solidFill>
+                  <a:schemeClr val="tx1"/>
+                </a:solidFill>
+                <a:latin typeface="微软雅黑" panose="020B0503020204020204" charset="-122"/>
+                <a:ea typeface="微软雅黑" panose="020B0503020204020204" charset="-122"/>
+                <a:cs typeface="微软雅黑" panose="020B0503020204020204" charset="-122"/>
+              </a:rPr>
+              <a:t>5 </a:t>
+            </a:r>
+            <a:r>
+              <a:rPr lang="en-US" altLang="zh-CN" sz="900" b="1" dirty="0">
+                <a:latin typeface="微软雅黑" panose="020B0503020204020204" charset="-122"/>
+                <a:ea typeface="微软雅黑" panose="020B0503020204020204" charset="-122"/>
+                <a:cs typeface="微软雅黑" panose="020B0503020204020204" charset="-122"/>
+              </a:rPr>
+              <a:t>Battery capacity decline curve and predicted results</a:t>
+            </a:r>
+            <a:endParaRPr lang="zh-CN" altLang="en-US" sz="900" b="1" dirty="0">
+              <a:solidFill>
+                <a:schemeClr val="tx1"/>
+              </a:solidFill>
+              <a:latin typeface="微软雅黑" panose="020B0503020204020204" charset="-122"/>
+              <a:ea typeface="微软雅黑" panose="020B0503020204020204" charset="-122"/>
+              <a:cs typeface="微软雅黑" panose="020B0503020204020204" charset="-122"/>
+            </a:endParaRPr>
+          </a:p>
+        </p:txBody>
+      </p:sp>
+      <p:sp>
+        <p:nvSpPr>
+          <p:cNvPr id="4" name="文本框 3">
+            <a:extLst>
+              <a:ext uri="{FF2B5EF4-FFF2-40B4-BE49-F238E27FC236}">
+                <a16:creationId xmlns:a16="http://schemas.microsoft.com/office/drawing/2014/main" id="{7DDBFD12-6235-A4BB-F2F7-F0F932776A70}"/>
+              </a:ext>
+            </a:extLst>
+          </p:cNvPr>
+          <p:cNvSpPr txBox="1"/>
+          <p:nvPr/>
+        </p:nvSpPr>
+        <p:spPr>
+          <a:xfrm>
+            <a:off x="2966178" y="303483"/>
+            <a:ext cx="998332" cy="245094"/>
+          </a:xfrm>
+          <a:prstGeom prst="rect">
+            <a:avLst/>
+          </a:prstGeom>
+          <a:noFill/>
+        </p:spPr>
+        <p:txBody>
+          <a:bodyPr wrap="square" rtlCol="0">
+            <a:spAutoFit/>
+          </a:bodyPr>
+          <a:lstStyle/>
+          <a:p>
+            <a:r>
+              <a:rPr lang="en-US" altLang="zh-CN" sz="1000" b="1" dirty="0">
+                <a:solidFill>
+                  <a:schemeClr val="accent5">
+                    <a:lumMod val="50000"/>
+                  </a:schemeClr>
+                </a:solidFill>
+                <a:latin typeface="微软雅黑" panose="020B0503020204020204" charset="-122"/>
+                <a:ea typeface="微软雅黑" panose="020B0503020204020204" charset="-122"/>
+              </a:rPr>
+              <a:t>TEAM </a:t>
+            </a:r>
+            <a:r>
+              <a:rPr lang="zh-CN" altLang="en-US" sz="1000" b="1" dirty="0">
+                <a:solidFill>
+                  <a:schemeClr val="accent5">
+                    <a:lumMod val="50000"/>
+                  </a:schemeClr>
+                </a:solidFill>
+                <a:latin typeface="微软雅黑" panose="020B0503020204020204" charset="-122"/>
+                <a:ea typeface="微软雅黑" panose="020B0503020204020204" charset="-122"/>
+              </a:rPr>
+              <a:t>  </a:t>
+            </a:r>
+          </a:p>
+        </p:txBody>
+      </p:sp>
+      <p:sp>
+        <p:nvSpPr>
+          <p:cNvPr id="5" name="文本框 4">
+            <a:extLst>
+              <a:ext uri="{FF2B5EF4-FFF2-40B4-BE49-F238E27FC236}">
+                <a16:creationId xmlns:a16="http://schemas.microsoft.com/office/drawing/2014/main" id="{67A95489-1942-5E14-BDFA-2B0744FFA022}"/>
+              </a:ext>
+            </a:extLst>
+          </p:cNvPr>
+          <p:cNvSpPr txBox="1"/>
+          <p:nvPr/>
+        </p:nvSpPr>
+        <p:spPr>
+          <a:xfrm>
+            <a:off x="2966177" y="548577"/>
+            <a:ext cx="1073207" cy="707886"/>
+          </a:xfrm>
+          <a:prstGeom prst="rect">
+            <a:avLst/>
+          </a:prstGeom>
+          <a:noFill/>
+        </p:spPr>
+        <p:txBody>
+          <a:bodyPr wrap="square" rtlCol="0">
+            <a:spAutoFit/>
+          </a:bodyPr>
+          <a:lstStyle/>
+          <a:p>
+            <a:pPr indent="0">
+              <a:buNone/>
+            </a:pPr>
+            <a:r>
+              <a:rPr lang="en-US" altLang="zh-CN" sz="1000" dirty="0">
+                <a:latin typeface="微软雅黑" panose="020B0503020204020204" charset="-122"/>
+                <a:ea typeface="微软雅黑" panose="020B0503020204020204" charset="-122"/>
+              </a:rPr>
+              <a:t>Haoyu Wang</a:t>
+            </a:r>
+          </a:p>
+          <a:p>
+            <a:pPr indent="0">
+              <a:buNone/>
+            </a:pPr>
+            <a:r>
+              <a:rPr lang="en-US" sz="1000" dirty="0">
+                <a:latin typeface="微软雅黑" panose="020B0503020204020204" charset="-122"/>
+                <a:ea typeface="微软雅黑" panose="020B0503020204020204" charset="-122"/>
+              </a:rPr>
+              <a:t>Han Xu</a:t>
+            </a:r>
+          </a:p>
+          <a:p>
+            <a:pPr indent="0">
+              <a:buNone/>
+            </a:pPr>
+            <a:r>
+              <a:rPr lang="en-US" sz="1000" dirty="0" err="1">
+                <a:latin typeface="微软雅黑" panose="020B0503020204020204" charset="-122"/>
+                <a:ea typeface="微软雅黑" panose="020B0503020204020204" charset="-122"/>
+              </a:rPr>
+              <a:t>Zongrun</a:t>
+            </a:r>
+            <a:r>
+              <a:rPr lang="en-US" sz="1000" dirty="0">
+                <a:latin typeface="微软雅黑" panose="020B0503020204020204" charset="-122"/>
+                <a:ea typeface="微软雅黑" panose="020B0503020204020204" charset="-122"/>
+              </a:rPr>
+              <a:t> Li</a:t>
+            </a:r>
+          </a:p>
+          <a:p>
+            <a:pPr indent="0">
+              <a:buNone/>
+            </a:pPr>
+            <a:r>
+              <a:rPr lang="en-US" sz="1000" dirty="0" err="1">
+                <a:latin typeface="微软雅黑" panose="020B0503020204020204" charset="-122"/>
+                <a:ea typeface="微软雅黑" panose="020B0503020204020204" charset="-122"/>
+              </a:rPr>
+              <a:t>Jiahao</a:t>
+            </a:r>
+            <a:r>
+              <a:rPr lang="en-US" sz="1000" dirty="0">
+                <a:latin typeface="微软雅黑" panose="020B0503020204020204" charset="-122"/>
+                <a:ea typeface="微软雅黑" panose="020B0503020204020204" charset="-122"/>
+              </a:rPr>
+              <a:t> Xu*</a:t>
+            </a:r>
+          </a:p>
+        </p:txBody>
+      </p:sp>
+      <p:cxnSp>
+        <p:nvCxnSpPr>
+          <p:cNvPr id="8" name="直接连接符 7">
+            <a:extLst>
+              <a:ext uri="{FF2B5EF4-FFF2-40B4-BE49-F238E27FC236}">
+                <a16:creationId xmlns:a16="http://schemas.microsoft.com/office/drawing/2014/main" id="{E106EFC4-6867-F3BD-CFED-2A278AE1BEF5}"/>
+              </a:ext>
+            </a:extLst>
+          </p:cNvPr>
+          <p:cNvCxnSpPr>
+            <a:cxnSpLocks/>
+          </p:cNvCxnSpPr>
+          <p:nvPr/>
+        </p:nvCxnSpPr>
+        <p:spPr>
+          <a:xfrm>
+            <a:off x="3964510" y="305498"/>
+            <a:ext cx="0" cy="1005142"/>
+          </a:xfrm>
+          <a:prstGeom prst="line">
+            <a:avLst/>
+          </a:prstGeom>
+          <a:ln w="3175" cmpd="sng">
+            <a:solidFill>
+              <a:schemeClr val="accent5">
+                <a:lumMod val="50000"/>
+              </a:schemeClr>
+            </a:solidFill>
+            <a:prstDash val="solid"/>
+          </a:ln>
+        </p:spPr>
+        <p:style>
+          <a:lnRef idx="1">
+            <a:schemeClr val="accent1"/>
+          </a:lnRef>
+          <a:fillRef idx="0">
+            <a:schemeClr val="accent1"/>
+          </a:fillRef>
+          <a:effectRef idx="0">
+            <a:schemeClr val="accent1"/>
+          </a:effectRef>
+          <a:fontRef idx="minor">
+            <a:schemeClr val="tx1"/>
+          </a:fontRef>
+        </p:style>
+      </p:cxnSp>
+      <p:sp>
+        <p:nvSpPr>
+          <p:cNvPr id="16" name="文本框 15">
+            <a:extLst>
+              <a:ext uri="{FF2B5EF4-FFF2-40B4-BE49-F238E27FC236}">
+                <a16:creationId xmlns:a16="http://schemas.microsoft.com/office/drawing/2014/main" id="{B10A6E17-666A-6F31-5814-A0152706697D}"/>
+              </a:ext>
+            </a:extLst>
+          </p:cNvPr>
+          <p:cNvSpPr txBox="1"/>
+          <p:nvPr/>
+        </p:nvSpPr>
+        <p:spPr>
+          <a:xfrm>
+            <a:off x="4015367" y="282580"/>
+            <a:ext cx="1137862" cy="398678"/>
+          </a:xfrm>
+          <a:prstGeom prst="rect">
+            <a:avLst/>
+          </a:prstGeom>
+          <a:noFill/>
+        </p:spPr>
+        <p:txBody>
+          <a:bodyPr wrap="square" rtlCol="0">
+            <a:spAutoFit/>
+          </a:bodyPr>
+          <a:lstStyle/>
+          <a:p>
+            <a:r>
+              <a:rPr lang="en-US" altLang="zh-CN" sz="1000" b="1" dirty="0">
+                <a:solidFill>
+                  <a:schemeClr val="accent5">
+                    <a:lumMod val="50000"/>
+                  </a:schemeClr>
+                </a:solidFill>
+                <a:latin typeface="微软雅黑" panose="020B0503020204020204" charset="-122"/>
+                <a:ea typeface="微软雅黑" panose="020B0503020204020204" charset="-122"/>
+              </a:rPr>
+              <a:t>ACADEMIC </a:t>
+            </a:r>
+          </a:p>
+          <a:p>
+            <a:r>
+              <a:rPr lang="en-US" altLang="zh-CN" sz="1000" b="1" dirty="0">
+                <a:solidFill>
+                  <a:schemeClr val="accent5">
+                    <a:lumMod val="50000"/>
+                  </a:schemeClr>
+                </a:solidFill>
+                <a:latin typeface="微软雅黑" panose="020B0503020204020204" charset="-122"/>
+                <a:ea typeface="微软雅黑" panose="020B0503020204020204" charset="-122"/>
+              </a:rPr>
+              <a:t>ADVISOR</a:t>
+            </a:r>
+          </a:p>
+        </p:txBody>
+      </p:sp>
+      <p:sp>
+        <p:nvSpPr>
+          <p:cNvPr id="18" name="文本框 17">
+            <a:extLst>
+              <a:ext uri="{FF2B5EF4-FFF2-40B4-BE49-F238E27FC236}">
+                <a16:creationId xmlns:a16="http://schemas.microsoft.com/office/drawing/2014/main" id="{F7D9DD49-3DB2-820D-DEE0-A514921B7A04}"/>
+              </a:ext>
+            </a:extLst>
+          </p:cNvPr>
+          <p:cNvSpPr txBox="1"/>
+          <p:nvPr/>
+        </p:nvSpPr>
+        <p:spPr>
+          <a:xfrm>
+            <a:off x="4015366" y="711180"/>
+            <a:ext cx="1216109" cy="553998"/>
+          </a:xfrm>
+          <a:prstGeom prst="rect">
+            <a:avLst/>
+          </a:prstGeom>
+          <a:noFill/>
+        </p:spPr>
+        <p:txBody>
+          <a:bodyPr wrap="square" rtlCol="0">
+            <a:spAutoFit/>
+          </a:bodyPr>
+          <a:lstStyle/>
+          <a:p>
+            <a:pPr indent="0">
+              <a:buNone/>
+            </a:pPr>
+            <a:r>
+              <a:rPr lang="en-US" altLang="zh-CN" sz="1000" dirty="0" err="1">
+                <a:latin typeface="微软雅黑" panose="020B0503020204020204" charset="-122"/>
+                <a:ea typeface="微软雅黑" panose="020B0503020204020204" charset="-122"/>
+              </a:rPr>
+              <a:t>Zhouguang</a:t>
+            </a:r>
+            <a:r>
+              <a:rPr lang="en-US" altLang="zh-CN" sz="1000" dirty="0">
+                <a:latin typeface="微软雅黑" panose="020B0503020204020204" charset="-122"/>
+                <a:ea typeface="微软雅黑" panose="020B0503020204020204" charset="-122"/>
+              </a:rPr>
+              <a:t> Lu</a:t>
+            </a:r>
+          </a:p>
+          <a:p>
+            <a:pPr indent="0">
+              <a:buNone/>
+            </a:pPr>
+            <a:r>
+              <a:rPr lang="en-US" altLang="zh-CN" sz="1000" dirty="0">
+                <a:latin typeface="微软雅黑" panose="020B0503020204020204" charset="-122"/>
+                <a:ea typeface="微软雅黑" panose="020B0503020204020204" charset="-122"/>
+              </a:rPr>
+              <a:t>Yuan Gao</a:t>
+            </a:r>
+          </a:p>
+          <a:p>
+            <a:pPr indent="0">
+              <a:buNone/>
+            </a:pPr>
+            <a:r>
+              <a:rPr lang="en-US" altLang="zh-CN" sz="1000" dirty="0">
+                <a:latin typeface="微软雅黑" panose="020B0503020204020204" charset="-122"/>
+                <a:ea typeface="微软雅黑" panose="020B0503020204020204" charset="-122"/>
+              </a:rPr>
+              <a:t>Xuan Song</a:t>
+            </a:r>
+            <a:endParaRPr sz="1000" dirty="0">
+              <a:latin typeface="微软雅黑" panose="020B0503020204020204" charset="-122"/>
+              <a:ea typeface="微软雅黑" panose="020B0503020204020204" charset="-122"/>
+            </a:endParaRPr>
+          </a:p>
+        </p:txBody>
+      </p:sp>
+      <p:sp>
+        <p:nvSpPr>
+          <p:cNvPr id="21" name="文本框 20">
+            <a:extLst>
+              <a:ext uri="{FF2B5EF4-FFF2-40B4-BE49-F238E27FC236}">
+                <a16:creationId xmlns:a16="http://schemas.microsoft.com/office/drawing/2014/main" id="{E8C28662-37C9-F243-A334-2C5775B97BA2}"/>
+              </a:ext>
+            </a:extLst>
+          </p:cNvPr>
+          <p:cNvSpPr txBox="1"/>
+          <p:nvPr/>
+        </p:nvSpPr>
+        <p:spPr>
+          <a:xfrm>
+            <a:off x="2966177" y="1358078"/>
+            <a:ext cx="909787" cy="246221"/>
+          </a:xfrm>
+          <a:prstGeom prst="rect">
+            <a:avLst/>
+          </a:prstGeom>
+          <a:noFill/>
+        </p:spPr>
+        <p:txBody>
+          <a:bodyPr wrap="square">
+            <a:spAutoFit/>
+          </a:bodyPr>
+          <a:lstStyle/>
+          <a:p>
+            <a:r>
+              <a:rPr lang="en-US" altLang="zh-CN" sz="1000" b="1" dirty="0">
+                <a:solidFill>
+                  <a:schemeClr val="accent5">
+                    <a:lumMod val="50000"/>
+                  </a:schemeClr>
+                </a:solidFill>
+                <a:latin typeface="+mj-ea"/>
+                <a:ea typeface="+mj-ea"/>
+                <a:cs typeface="+mj-ea"/>
+              </a:rPr>
+              <a:t>SPONSOR</a:t>
+            </a:r>
+            <a:r>
+              <a:rPr lang="zh-CN" altLang="en-US" sz="1000" b="1" dirty="0">
+                <a:solidFill>
+                  <a:schemeClr val="accent5">
+                    <a:lumMod val="50000"/>
+                  </a:schemeClr>
+                </a:solidFill>
+                <a:latin typeface="+mj-ea"/>
+                <a:ea typeface="+mj-ea"/>
+                <a:cs typeface="+mj-ea"/>
+              </a:rPr>
+              <a:t>：</a:t>
+            </a:r>
+            <a:endParaRPr lang="en-US" altLang="zh-CN" sz="1000" b="1" dirty="0">
+              <a:solidFill>
+                <a:schemeClr val="accent5">
+                  <a:lumMod val="50000"/>
+                </a:schemeClr>
+              </a:solidFill>
+              <a:latin typeface="+mj-ea"/>
+              <a:ea typeface="+mj-ea"/>
+              <a:cs typeface="+mj-ea"/>
+            </a:endParaRPr>
+          </a:p>
+        </p:txBody>
+      </p:sp>
+      <p:sp>
+        <p:nvSpPr>
+          <p:cNvPr id="24" name="文本框 23">
+            <a:extLst>
+              <a:ext uri="{FF2B5EF4-FFF2-40B4-BE49-F238E27FC236}">
+                <a16:creationId xmlns:a16="http://schemas.microsoft.com/office/drawing/2014/main" id="{EE241DF2-D6DB-DE4C-B889-324B332533D6}"/>
+              </a:ext>
+            </a:extLst>
+          </p:cNvPr>
+          <p:cNvSpPr txBox="1"/>
+          <p:nvPr/>
+        </p:nvSpPr>
+        <p:spPr>
+          <a:xfrm>
+            <a:off x="5247245" y="280302"/>
+            <a:ext cx="1131548" cy="398844"/>
+          </a:xfrm>
+          <a:prstGeom prst="rect">
+            <a:avLst/>
+          </a:prstGeom>
+          <a:noFill/>
+        </p:spPr>
+        <p:txBody>
+          <a:bodyPr wrap="square" rtlCol="0">
+            <a:spAutoFit/>
+          </a:bodyPr>
+          <a:lstStyle/>
+          <a:p>
+            <a:r>
+              <a:rPr lang="en-US" altLang="zh-CN" sz="1000" b="1" dirty="0">
+                <a:solidFill>
+                  <a:schemeClr val="accent5">
+                    <a:lumMod val="50000"/>
+                  </a:schemeClr>
+                </a:solidFill>
+                <a:latin typeface="微软雅黑" panose="020B0503020204020204" charset="-122"/>
+                <a:ea typeface="微软雅黑" panose="020B0503020204020204" charset="-122"/>
+              </a:rPr>
+              <a:t>INDUSTRIAL ADVISOR</a:t>
+            </a:r>
+          </a:p>
+        </p:txBody>
+      </p:sp>
+      <p:cxnSp>
+        <p:nvCxnSpPr>
+          <p:cNvPr id="27" name="直接连接符 26">
+            <a:extLst>
+              <a:ext uri="{FF2B5EF4-FFF2-40B4-BE49-F238E27FC236}">
+                <a16:creationId xmlns:a16="http://schemas.microsoft.com/office/drawing/2014/main" id="{F6B34D3D-FC10-73D4-E325-65E88CF19124}"/>
+              </a:ext>
+            </a:extLst>
+          </p:cNvPr>
+          <p:cNvCxnSpPr>
+            <a:cxnSpLocks/>
+          </p:cNvCxnSpPr>
+          <p:nvPr/>
+        </p:nvCxnSpPr>
+        <p:spPr>
+          <a:xfrm>
+            <a:off x="5153230" y="305498"/>
+            <a:ext cx="0" cy="1005142"/>
+          </a:xfrm>
+          <a:prstGeom prst="line">
+            <a:avLst/>
+          </a:prstGeom>
+          <a:ln w="3175" cmpd="sng">
+            <a:solidFill>
+              <a:schemeClr val="accent5">
+                <a:lumMod val="50000"/>
+              </a:schemeClr>
+            </a:solidFill>
+            <a:prstDash val="solid"/>
+          </a:ln>
+        </p:spPr>
+        <p:style>
+          <a:lnRef idx="1">
+            <a:schemeClr val="accent1"/>
+          </a:lnRef>
+          <a:fillRef idx="0">
+            <a:schemeClr val="accent1"/>
+          </a:fillRef>
+          <a:effectRef idx="0">
+            <a:schemeClr val="accent1"/>
+          </a:effectRef>
+          <a:fontRef idx="minor">
+            <a:schemeClr val="tx1"/>
+          </a:fontRef>
+        </p:style>
+      </p:cxnSp>
+      <p:sp>
+        <p:nvSpPr>
+          <p:cNvPr id="28" name="文本框 27">
+            <a:extLst>
+              <a:ext uri="{FF2B5EF4-FFF2-40B4-BE49-F238E27FC236}">
+                <a16:creationId xmlns:a16="http://schemas.microsoft.com/office/drawing/2014/main" id="{42A0F79F-1F92-47B8-4160-36905DF23094}"/>
+              </a:ext>
+            </a:extLst>
+          </p:cNvPr>
+          <p:cNvSpPr txBox="1"/>
+          <p:nvPr/>
+        </p:nvSpPr>
+        <p:spPr>
+          <a:xfrm>
+            <a:off x="5246114" y="711180"/>
+            <a:ext cx="1216109" cy="245069"/>
+          </a:xfrm>
+          <a:prstGeom prst="rect">
+            <a:avLst/>
+          </a:prstGeom>
+          <a:noFill/>
+        </p:spPr>
+        <p:txBody>
+          <a:bodyPr wrap="square" rtlCol="0">
+            <a:spAutoFit/>
+          </a:bodyPr>
+          <a:lstStyle/>
+          <a:p>
+            <a:pPr indent="0">
+              <a:buNone/>
+            </a:pPr>
+            <a:r>
+              <a:rPr lang="en-US" altLang="zh-CN" sz="1000" dirty="0">
+                <a:latin typeface="微软雅黑" panose="020B0503020204020204" charset="-122"/>
+                <a:ea typeface="微软雅黑" panose="020B0503020204020204" charset="-122"/>
+              </a:rPr>
+              <a:t>Fei Yuan</a:t>
+            </a:r>
+            <a:endParaRPr sz="1000" dirty="0">
+              <a:latin typeface="微软雅黑" panose="020B0503020204020204" charset="-122"/>
+              <a:ea typeface="微软雅黑" panose="020B0503020204020204" charset="-122"/>
+            </a:endParaRPr>
+          </a:p>
+        </p:txBody>
+      </p:sp>
       <p:pic>
         <p:nvPicPr>
-          <p:cNvPr id="45" name="图片 44">
+          <p:cNvPr id="29" name="图片 28">
             <a:extLst>
               <a:ext uri="{FF2B5EF4-FFF2-40B4-BE49-F238E27FC236}">
-                <a16:creationId xmlns:a16="http://schemas.microsoft.com/office/drawing/2014/main" id="{15674030-BEA2-24CA-185F-74FE0D4BC7AD}"/>
+                <a16:creationId xmlns:a16="http://schemas.microsoft.com/office/drawing/2014/main" id="{612999A1-B2AF-E7E8-6953-214CB2D6FFB0}"/>
               </a:ext>
             </a:extLst>
           </p:cNvPr>
@@ -5467,669 +6062,6 @@
               </a:ext>
             </a:extLst>
           </a:blip>
-          <a:srcRect t="6230"/>
-          <a:stretch/>
-        </p:blipFill>
-        <p:spPr>
-          <a:xfrm>
-            <a:off x="2363908" y="7565843"/>
-            <a:ext cx="1912093" cy="1369668"/>
-          </a:xfrm>
-          <a:prstGeom prst="rect">
-            <a:avLst/>
-          </a:prstGeom>
-        </p:spPr>
-      </p:pic>
-      <p:pic>
-        <p:nvPicPr>
-          <p:cNvPr id="46" name="图片 45">
-            <a:extLst>
-              <a:ext uri="{FF2B5EF4-FFF2-40B4-BE49-F238E27FC236}">
-                <a16:creationId xmlns:a16="http://schemas.microsoft.com/office/drawing/2014/main" id="{BA5FC74C-D1BB-8206-CE3C-8019DD15081D}"/>
-              </a:ext>
-            </a:extLst>
-          </p:cNvPr>
-          <p:cNvPicPr>
-            <a:picLocks noChangeAspect="1"/>
-          </p:cNvPicPr>
-          <p:nvPr/>
-        </p:nvPicPr>
-        <p:blipFill rotWithShape="1">
-          <a:blip r:embed="rId5" cstate="print">
-            <a:extLst>
-              <a:ext uri="{28A0092B-C50C-407E-A947-70E740481C1C}">
-                <a14:useLocalDpi xmlns:a14="http://schemas.microsoft.com/office/drawing/2010/main" val="0"/>
-              </a:ext>
-            </a:extLst>
-          </a:blip>
-          <a:srcRect t="7373"/>
-          <a:stretch/>
-        </p:blipFill>
-        <p:spPr>
-          <a:xfrm>
-            <a:off x="4405672" y="7565843"/>
-            <a:ext cx="2201648" cy="1371600"/>
-          </a:xfrm>
-          <a:prstGeom prst="rect">
-            <a:avLst/>
-          </a:prstGeom>
-        </p:spPr>
-      </p:pic>
-      <p:sp>
-        <p:nvSpPr>
-          <p:cNvPr id="48" name="文本框 47">
-            <a:extLst>
-              <a:ext uri="{FF2B5EF4-FFF2-40B4-BE49-F238E27FC236}">
-                <a16:creationId xmlns:a16="http://schemas.microsoft.com/office/drawing/2014/main" id="{355E83E0-9549-AF0F-F95C-B91F18385B71}"/>
-              </a:ext>
-            </a:extLst>
-          </p:cNvPr>
-          <p:cNvSpPr txBox="1"/>
-          <p:nvPr/>
-        </p:nvSpPr>
-        <p:spPr>
-          <a:xfrm>
-            <a:off x="4621719" y="8991955"/>
-            <a:ext cx="1906469" cy="369332"/>
-          </a:xfrm>
-          <a:prstGeom prst="rect">
-            <a:avLst/>
-          </a:prstGeom>
-          <a:noFill/>
-        </p:spPr>
-        <p:txBody>
-          <a:bodyPr wrap="square" rtlCol="0">
-            <a:spAutoFit/>
-          </a:bodyPr>
-          <a:lstStyle/>
-          <a:p>
-            <a:pPr algn="ctr"/>
-            <a:r>
-              <a:rPr lang="en-US" altLang="zh-CN" sz="900" b="1" dirty="0">
-                <a:latin typeface="微软雅黑" panose="020B0503020204020204" charset="-122"/>
-                <a:ea typeface="微软雅黑" panose="020B0503020204020204" charset="-122"/>
-                <a:cs typeface="微软雅黑" panose="020B0503020204020204" charset="-122"/>
-              </a:rPr>
-              <a:t>Fig.</a:t>
-            </a:r>
-            <a:r>
-              <a:rPr lang="en-US" altLang="zh-CN" sz="900" b="1" dirty="0">
-                <a:solidFill>
-                  <a:schemeClr val="tx1"/>
-                </a:solidFill>
-                <a:latin typeface="微软雅黑" panose="020B0503020204020204" charset="-122"/>
-                <a:ea typeface="微软雅黑" panose="020B0503020204020204" charset="-122"/>
-                <a:cs typeface="微软雅黑" panose="020B0503020204020204" charset="-122"/>
-              </a:rPr>
-              <a:t>5 </a:t>
-            </a:r>
-            <a:r>
-              <a:rPr lang="en-US" altLang="zh-CN" sz="900" b="1" dirty="0">
-                <a:latin typeface="微软雅黑" panose="020B0503020204020204" charset="-122"/>
-                <a:ea typeface="微软雅黑" panose="020B0503020204020204" charset="-122"/>
-                <a:cs typeface="微软雅黑" panose="020B0503020204020204" charset="-122"/>
-              </a:rPr>
-              <a:t>Battery capacity decline curve and predicted results</a:t>
-            </a:r>
-            <a:endParaRPr lang="zh-CN" altLang="en-US" sz="900" b="1" dirty="0">
-              <a:solidFill>
-                <a:schemeClr val="tx1"/>
-              </a:solidFill>
-              <a:latin typeface="微软雅黑" panose="020B0503020204020204" charset="-122"/>
-              <a:ea typeface="微软雅黑" panose="020B0503020204020204" charset="-122"/>
-              <a:cs typeface="微软雅黑" panose="020B0503020204020204" charset="-122"/>
-            </a:endParaRPr>
-          </a:p>
-        </p:txBody>
-      </p:sp>
-      <p:sp>
-        <p:nvSpPr>
-          <p:cNvPr id="4" name="文本框 3">
-            <a:extLst>
-              <a:ext uri="{FF2B5EF4-FFF2-40B4-BE49-F238E27FC236}">
-                <a16:creationId xmlns:a16="http://schemas.microsoft.com/office/drawing/2014/main" id="{7DDBFD12-6235-A4BB-F2F7-F0F932776A70}"/>
-              </a:ext>
-            </a:extLst>
-          </p:cNvPr>
-          <p:cNvSpPr txBox="1"/>
-          <p:nvPr/>
-        </p:nvSpPr>
-        <p:spPr>
-          <a:xfrm>
-            <a:off x="2966178" y="303483"/>
-            <a:ext cx="998332" cy="245094"/>
-          </a:xfrm>
-          <a:prstGeom prst="rect">
-            <a:avLst/>
-          </a:prstGeom>
-          <a:noFill/>
-        </p:spPr>
-        <p:txBody>
-          <a:bodyPr wrap="square" rtlCol="0">
-            <a:spAutoFit/>
-          </a:bodyPr>
-          <a:lstStyle/>
-          <a:p>
-            <a:r>
-              <a:rPr lang="en-US" altLang="zh-CN" sz="1000" b="1" dirty="0">
-                <a:solidFill>
-                  <a:schemeClr val="accent5">
-                    <a:lumMod val="50000"/>
-                  </a:schemeClr>
-                </a:solidFill>
-                <a:latin typeface="微软雅黑" panose="020B0503020204020204" charset="-122"/>
-                <a:ea typeface="微软雅黑" panose="020B0503020204020204" charset="-122"/>
-              </a:rPr>
-              <a:t>TEAM </a:t>
-            </a:r>
-            <a:r>
-              <a:rPr lang="zh-CN" altLang="en-US" sz="1000" b="1" dirty="0">
-                <a:solidFill>
-                  <a:schemeClr val="accent5">
-                    <a:lumMod val="50000"/>
-                  </a:schemeClr>
-                </a:solidFill>
-                <a:latin typeface="微软雅黑" panose="020B0503020204020204" charset="-122"/>
-                <a:ea typeface="微软雅黑" panose="020B0503020204020204" charset="-122"/>
-              </a:rPr>
-              <a:t>  </a:t>
-            </a:r>
-          </a:p>
-        </p:txBody>
-      </p:sp>
-      <p:sp>
-        <p:nvSpPr>
-          <p:cNvPr id="5" name="文本框 4">
-            <a:extLst>
-              <a:ext uri="{FF2B5EF4-FFF2-40B4-BE49-F238E27FC236}">
-                <a16:creationId xmlns:a16="http://schemas.microsoft.com/office/drawing/2014/main" id="{67A95489-1942-5E14-BDFA-2B0744FFA022}"/>
-              </a:ext>
-            </a:extLst>
-          </p:cNvPr>
-          <p:cNvSpPr txBox="1"/>
-          <p:nvPr/>
-        </p:nvSpPr>
-        <p:spPr>
-          <a:xfrm>
-            <a:off x="2966177" y="548577"/>
-            <a:ext cx="1073207" cy="707886"/>
-          </a:xfrm>
-          <a:prstGeom prst="rect">
-            <a:avLst/>
-          </a:prstGeom>
-          <a:noFill/>
-        </p:spPr>
-        <p:txBody>
-          <a:bodyPr wrap="square" rtlCol="0">
-            <a:spAutoFit/>
-          </a:bodyPr>
-          <a:lstStyle/>
-          <a:p>
-            <a:pPr indent="0">
-              <a:buNone/>
-            </a:pPr>
-            <a:r>
-              <a:rPr lang="en-US" altLang="zh-CN" sz="1000" dirty="0">
-                <a:latin typeface="微软雅黑" panose="020B0503020204020204" charset="-122"/>
-                <a:ea typeface="微软雅黑" panose="020B0503020204020204" charset="-122"/>
-              </a:rPr>
-              <a:t>Haoyu Wang</a:t>
-            </a:r>
-          </a:p>
-          <a:p>
-            <a:pPr indent="0">
-              <a:buNone/>
-            </a:pPr>
-            <a:r>
-              <a:rPr lang="en-US" sz="1000" dirty="0">
-                <a:latin typeface="微软雅黑" panose="020B0503020204020204" charset="-122"/>
-                <a:ea typeface="微软雅黑" panose="020B0503020204020204" charset="-122"/>
-              </a:rPr>
-              <a:t>Han Xu</a:t>
-            </a:r>
-          </a:p>
-          <a:p>
-            <a:pPr indent="0">
-              <a:buNone/>
-            </a:pPr>
-            <a:r>
-              <a:rPr lang="en-US" sz="1000" dirty="0" err="1">
-                <a:latin typeface="微软雅黑" panose="020B0503020204020204" charset="-122"/>
-                <a:ea typeface="微软雅黑" panose="020B0503020204020204" charset="-122"/>
-              </a:rPr>
-              <a:t>Zongrun</a:t>
-            </a:r>
-            <a:r>
-              <a:rPr lang="en-US" sz="1000" dirty="0">
-                <a:latin typeface="微软雅黑" panose="020B0503020204020204" charset="-122"/>
-                <a:ea typeface="微软雅黑" panose="020B0503020204020204" charset="-122"/>
-              </a:rPr>
-              <a:t> Li</a:t>
-            </a:r>
-          </a:p>
-          <a:p>
-            <a:pPr indent="0">
-              <a:buNone/>
-            </a:pPr>
-            <a:r>
-              <a:rPr lang="en-US" sz="1000" dirty="0" err="1">
-                <a:latin typeface="微软雅黑" panose="020B0503020204020204" charset="-122"/>
-                <a:ea typeface="微软雅黑" panose="020B0503020204020204" charset="-122"/>
-              </a:rPr>
-              <a:t>Jiahao</a:t>
-            </a:r>
-            <a:r>
-              <a:rPr lang="en-US" sz="1000" dirty="0">
-                <a:latin typeface="微软雅黑" panose="020B0503020204020204" charset="-122"/>
-                <a:ea typeface="微软雅黑" panose="020B0503020204020204" charset="-122"/>
-              </a:rPr>
-              <a:t> Xu*</a:t>
-            </a:r>
-          </a:p>
-        </p:txBody>
-      </p:sp>
-      <p:cxnSp>
-        <p:nvCxnSpPr>
-          <p:cNvPr id="8" name="直接连接符 7">
-            <a:extLst>
-              <a:ext uri="{FF2B5EF4-FFF2-40B4-BE49-F238E27FC236}">
-                <a16:creationId xmlns:a16="http://schemas.microsoft.com/office/drawing/2014/main" id="{E106EFC4-6867-F3BD-CFED-2A278AE1BEF5}"/>
-              </a:ext>
-            </a:extLst>
-          </p:cNvPr>
-          <p:cNvCxnSpPr>
-            <a:cxnSpLocks/>
-          </p:cNvCxnSpPr>
-          <p:nvPr/>
-        </p:nvCxnSpPr>
-        <p:spPr>
-          <a:xfrm>
-            <a:off x="3964510" y="305498"/>
-            <a:ext cx="0" cy="1005142"/>
-          </a:xfrm>
-          <a:prstGeom prst="line">
-            <a:avLst/>
-          </a:prstGeom>
-          <a:ln w="3175" cmpd="sng">
-            <a:solidFill>
-              <a:schemeClr val="accent5">
-                <a:lumMod val="50000"/>
-              </a:schemeClr>
-            </a:solidFill>
-            <a:prstDash val="solid"/>
-          </a:ln>
-        </p:spPr>
-        <p:style>
-          <a:lnRef idx="1">
-            <a:schemeClr val="accent1"/>
-          </a:lnRef>
-          <a:fillRef idx="0">
-            <a:schemeClr val="accent1"/>
-          </a:fillRef>
-          <a:effectRef idx="0">
-            <a:schemeClr val="accent1"/>
-          </a:effectRef>
-          <a:fontRef idx="minor">
-            <a:schemeClr val="tx1"/>
-          </a:fontRef>
-        </p:style>
-      </p:cxnSp>
-      <p:sp>
-        <p:nvSpPr>
-          <p:cNvPr id="16" name="文本框 15">
-            <a:extLst>
-              <a:ext uri="{FF2B5EF4-FFF2-40B4-BE49-F238E27FC236}">
-                <a16:creationId xmlns:a16="http://schemas.microsoft.com/office/drawing/2014/main" id="{B10A6E17-666A-6F31-5814-A0152706697D}"/>
-              </a:ext>
-            </a:extLst>
-          </p:cNvPr>
-          <p:cNvSpPr txBox="1"/>
-          <p:nvPr/>
-        </p:nvSpPr>
-        <p:spPr>
-          <a:xfrm>
-            <a:off x="4015367" y="282580"/>
-            <a:ext cx="1137862" cy="398678"/>
-          </a:xfrm>
-          <a:prstGeom prst="rect">
-            <a:avLst/>
-          </a:prstGeom>
-          <a:noFill/>
-        </p:spPr>
-        <p:txBody>
-          <a:bodyPr wrap="square" rtlCol="0">
-            <a:spAutoFit/>
-          </a:bodyPr>
-          <a:lstStyle/>
-          <a:p>
-            <a:r>
-              <a:rPr lang="en-US" altLang="zh-CN" sz="1000" b="1" dirty="0">
-                <a:solidFill>
-                  <a:schemeClr val="accent5">
-                    <a:lumMod val="50000"/>
-                  </a:schemeClr>
-                </a:solidFill>
-                <a:latin typeface="微软雅黑" panose="020B0503020204020204" charset="-122"/>
-                <a:ea typeface="微软雅黑" panose="020B0503020204020204" charset="-122"/>
-              </a:rPr>
-              <a:t>ACADEMIC </a:t>
-            </a:r>
-          </a:p>
-          <a:p>
-            <a:r>
-              <a:rPr lang="en-US" altLang="zh-CN" sz="1000" b="1" dirty="0">
-                <a:solidFill>
-                  <a:schemeClr val="accent5">
-                    <a:lumMod val="50000"/>
-                  </a:schemeClr>
-                </a:solidFill>
-                <a:latin typeface="微软雅黑" panose="020B0503020204020204" charset="-122"/>
-                <a:ea typeface="微软雅黑" panose="020B0503020204020204" charset="-122"/>
-              </a:rPr>
-              <a:t>ADVISOR</a:t>
-            </a:r>
-          </a:p>
-        </p:txBody>
-      </p:sp>
-      <p:sp>
-        <p:nvSpPr>
-          <p:cNvPr id="18" name="文本框 17">
-            <a:extLst>
-              <a:ext uri="{FF2B5EF4-FFF2-40B4-BE49-F238E27FC236}">
-                <a16:creationId xmlns:a16="http://schemas.microsoft.com/office/drawing/2014/main" id="{F7D9DD49-3DB2-820D-DEE0-A514921B7A04}"/>
-              </a:ext>
-            </a:extLst>
-          </p:cNvPr>
-          <p:cNvSpPr txBox="1"/>
-          <p:nvPr/>
-        </p:nvSpPr>
-        <p:spPr>
-          <a:xfrm>
-            <a:off x="4015366" y="711180"/>
-            <a:ext cx="1216109" cy="553998"/>
-          </a:xfrm>
-          <a:prstGeom prst="rect">
-            <a:avLst/>
-          </a:prstGeom>
-          <a:noFill/>
-        </p:spPr>
-        <p:txBody>
-          <a:bodyPr wrap="square" rtlCol="0">
-            <a:spAutoFit/>
-          </a:bodyPr>
-          <a:lstStyle/>
-          <a:p>
-            <a:pPr indent="0">
-              <a:buNone/>
-            </a:pPr>
-            <a:r>
-              <a:rPr lang="en-US" altLang="zh-CN" sz="1000" dirty="0" err="1">
-                <a:latin typeface="微软雅黑" panose="020B0503020204020204" charset="-122"/>
-                <a:ea typeface="微软雅黑" panose="020B0503020204020204" charset="-122"/>
-              </a:rPr>
-              <a:t>Zhouguang</a:t>
-            </a:r>
-            <a:r>
-              <a:rPr lang="en-US" altLang="zh-CN" sz="1000" dirty="0">
-                <a:latin typeface="微软雅黑" panose="020B0503020204020204" charset="-122"/>
-                <a:ea typeface="微软雅黑" panose="020B0503020204020204" charset="-122"/>
-              </a:rPr>
-              <a:t> Lu</a:t>
-            </a:r>
-          </a:p>
-          <a:p>
-            <a:pPr indent="0">
-              <a:buNone/>
-            </a:pPr>
-            <a:r>
-              <a:rPr lang="en-US" altLang="zh-CN" sz="1000" dirty="0">
-                <a:latin typeface="微软雅黑" panose="020B0503020204020204" charset="-122"/>
-                <a:ea typeface="微软雅黑" panose="020B0503020204020204" charset="-122"/>
-              </a:rPr>
-              <a:t>Yuan Gao</a:t>
-            </a:r>
-          </a:p>
-          <a:p>
-            <a:pPr indent="0">
-              <a:buNone/>
-            </a:pPr>
-            <a:r>
-              <a:rPr lang="en-US" altLang="zh-CN" sz="1000" dirty="0">
-                <a:latin typeface="微软雅黑" panose="020B0503020204020204" charset="-122"/>
-                <a:ea typeface="微软雅黑" panose="020B0503020204020204" charset="-122"/>
-              </a:rPr>
-              <a:t>Xuan Song</a:t>
-            </a:r>
-            <a:endParaRPr sz="1000" dirty="0">
-              <a:latin typeface="微软雅黑" panose="020B0503020204020204" charset="-122"/>
-              <a:ea typeface="微软雅黑" panose="020B0503020204020204" charset="-122"/>
-            </a:endParaRPr>
-          </a:p>
-        </p:txBody>
-      </p:sp>
-      <p:sp>
-        <p:nvSpPr>
-          <p:cNvPr id="21" name="文本框 20">
-            <a:extLst>
-              <a:ext uri="{FF2B5EF4-FFF2-40B4-BE49-F238E27FC236}">
-                <a16:creationId xmlns:a16="http://schemas.microsoft.com/office/drawing/2014/main" id="{E8C28662-37C9-F243-A334-2C5775B97BA2}"/>
-              </a:ext>
-            </a:extLst>
-          </p:cNvPr>
-          <p:cNvSpPr txBox="1"/>
-          <p:nvPr/>
-        </p:nvSpPr>
-        <p:spPr>
-          <a:xfrm>
-            <a:off x="2966177" y="1358078"/>
-            <a:ext cx="909787" cy="246221"/>
-          </a:xfrm>
-          <a:prstGeom prst="rect">
-            <a:avLst/>
-          </a:prstGeom>
-          <a:noFill/>
-        </p:spPr>
-        <p:txBody>
-          <a:bodyPr wrap="square">
-            <a:spAutoFit/>
-          </a:bodyPr>
-          <a:lstStyle/>
-          <a:p>
-            <a:r>
-              <a:rPr lang="en-US" altLang="zh-CN" sz="1000" b="1" dirty="0">
-                <a:solidFill>
-                  <a:schemeClr val="accent5">
-                    <a:lumMod val="50000"/>
-                  </a:schemeClr>
-                </a:solidFill>
-                <a:latin typeface="+mj-ea"/>
-                <a:ea typeface="+mj-ea"/>
-                <a:cs typeface="+mj-ea"/>
-              </a:rPr>
-              <a:t>SPONSOR</a:t>
-            </a:r>
-            <a:r>
-              <a:rPr lang="zh-CN" altLang="en-US" sz="1000" b="1" dirty="0">
-                <a:solidFill>
-                  <a:schemeClr val="accent5">
-                    <a:lumMod val="50000"/>
-                  </a:schemeClr>
-                </a:solidFill>
-                <a:latin typeface="+mj-ea"/>
-                <a:ea typeface="+mj-ea"/>
-                <a:cs typeface="+mj-ea"/>
-              </a:rPr>
-              <a:t>：</a:t>
-            </a:r>
-            <a:endParaRPr lang="en-US" altLang="zh-CN" sz="1000" b="1" dirty="0">
-              <a:solidFill>
-                <a:schemeClr val="accent5">
-                  <a:lumMod val="50000"/>
-                </a:schemeClr>
-              </a:solidFill>
-              <a:latin typeface="+mj-ea"/>
-              <a:ea typeface="+mj-ea"/>
-              <a:cs typeface="+mj-ea"/>
-            </a:endParaRPr>
-          </a:p>
-        </p:txBody>
-      </p:sp>
-      <p:sp>
-        <p:nvSpPr>
-          <p:cNvPr id="24" name="文本框 23">
-            <a:extLst>
-              <a:ext uri="{FF2B5EF4-FFF2-40B4-BE49-F238E27FC236}">
-                <a16:creationId xmlns:a16="http://schemas.microsoft.com/office/drawing/2014/main" id="{EE241DF2-D6DB-DE4C-B889-324B332533D6}"/>
-              </a:ext>
-            </a:extLst>
-          </p:cNvPr>
-          <p:cNvSpPr txBox="1"/>
-          <p:nvPr/>
-        </p:nvSpPr>
-        <p:spPr>
-          <a:xfrm>
-            <a:off x="5247245" y="280302"/>
-            <a:ext cx="1131548" cy="398844"/>
-          </a:xfrm>
-          <a:prstGeom prst="rect">
-            <a:avLst/>
-          </a:prstGeom>
-          <a:noFill/>
-        </p:spPr>
-        <p:txBody>
-          <a:bodyPr wrap="square" rtlCol="0">
-            <a:spAutoFit/>
-          </a:bodyPr>
-          <a:lstStyle/>
-          <a:p>
-            <a:r>
-              <a:rPr lang="en-US" altLang="zh-CN" sz="1000" b="1" dirty="0">
-                <a:solidFill>
-                  <a:schemeClr val="accent5">
-                    <a:lumMod val="50000"/>
-                  </a:schemeClr>
-                </a:solidFill>
-                <a:latin typeface="微软雅黑" panose="020B0503020204020204" charset="-122"/>
-                <a:ea typeface="微软雅黑" panose="020B0503020204020204" charset="-122"/>
-              </a:rPr>
-              <a:t>INDUSTRIAL ADVISOR</a:t>
-            </a:r>
-          </a:p>
-        </p:txBody>
-      </p:sp>
-      <p:cxnSp>
-        <p:nvCxnSpPr>
-          <p:cNvPr id="27" name="直接连接符 26">
-            <a:extLst>
-              <a:ext uri="{FF2B5EF4-FFF2-40B4-BE49-F238E27FC236}">
-                <a16:creationId xmlns:a16="http://schemas.microsoft.com/office/drawing/2014/main" id="{F6B34D3D-FC10-73D4-E325-65E88CF19124}"/>
-              </a:ext>
-            </a:extLst>
-          </p:cNvPr>
-          <p:cNvCxnSpPr>
-            <a:cxnSpLocks/>
-          </p:cNvCxnSpPr>
-          <p:nvPr/>
-        </p:nvCxnSpPr>
-        <p:spPr>
-          <a:xfrm>
-            <a:off x="5153230" y="305498"/>
-            <a:ext cx="0" cy="1005142"/>
-          </a:xfrm>
-          <a:prstGeom prst="line">
-            <a:avLst/>
-          </a:prstGeom>
-          <a:ln w="3175" cmpd="sng">
-            <a:solidFill>
-              <a:schemeClr val="accent5">
-                <a:lumMod val="50000"/>
-              </a:schemeClr>
-            </a:solidFill>
-            <a:prstDash val="solid"/>
-          </a:ln>
-        </p:spPr>
-        <p:style>
-          <a:lnRef idx="1">
-            <a:schemeClr val="accent1"/>
-          </a:lnRef>
-          <a:fillRef idx="0">
-            <a:schemeClr val="accent1"/>
-          </a:fillRef>
-          <a:effectRef idx="0">
-            <a:schemeClr val="accent1"/>
-          </a:effectRef>
-          <a:fontRef idx="minor">
-            <a:schemeClr val="tx1"/>
-          </a:fontRef>
-        </p:style>
-      </p:cxnSp>
-      <p:sp>
-        <p:nvSpPr>
-          <p:cNvPr id="28" name="文本框 27">
-            <a:extLst>
-              <a:ext uri="{FF2B5EF4-FFF2-40B4-BE49-F238E27FC236}">
-                <a16:creationId xmlns:a16="http://schemas.microsoft.com/office/drawing/2014/main" id="{42A0F79F-1F92-47B8-4160-36905DF23094}"/>
-              </a:ext>
-            </a:extLst>
-          </p:cNvPr>
-          <p:cNvSpPr txBox="1"/>
-          <p:nvPr/>
-        </p:nvSpPr>
-        <p:spPr>
-          <a:xfrm>
-            <a:off x="5246114" y="711180"/>
-            <a:ext cx="1216109" cy="245069"/>
-          </a:xfrm>
-          <a:prstGeom prst="rect">
-            <a:avLst/>
-          </a:prstGeom>
-          <a:noFill/>
-        </p:spPr>
-        <p:txBody>
-          <a:bodyPr wrap="square" rtlCol="0">
-            <a:spAutoFit/>
-          </a:bodyPr>
-          <a:lstStyle/>
-          <a:p>
-            <a:pPr indent="0">
-              <a:buNone/>
-            </a:pPr>
-            <a:r>
-              <a:rPr lang="en-US" altLang="zh-CN" sz="1000" dirty="0">
-                <a:latin typeface="微软雅黑" panose="020B0503020204020204" charset="-122"/>
-                <a:ea typeface="微软雅黑" panose="020B0503020204020204" charset="-122"/>
-              </a:rPr>
-              <a:t>Fei Yuan</a:t>
-            </a:r>
-            <a:endParaRPr sz="1000" dirty="0">
-              <a:latin typeface="微软雅黑" panose="020B0503020204020204" charset="-122"/>
-              <a:ea typeface="微软雅黑" panose="020B0503020204020204" charset="-122"/>
-            </a:endParaRPr>
-          </a:p>
-        </p:txBody>
-      </p:sp>
-      <p:pic>
-        <p:nvPicPr>
-          <p:cNvPr id="29" name="图片 28">
-            <a:extLst>
-              <a:ext uri="{FF2B5EF4-FFF2-40B4-BE49-F238E27FC236}">
-                <a16:creationId xmlns:a16="http://schemas.microsoft.com/office/drawing/2014/main" id="{612999A1-B2AF-E7E8-6953-214CB2D6FFB0}"/>
-              </a:ext>
-            </a:extLst>
-          </p:cNvPr>
-          <p:cNvPicPr>
-            <a:picLocks noChangeAspect="1"/>
-          </p:cNvPicPr>
-          <p:nvPr/>
-        </p:nvPicPr>
-        <p:blipFill rotWithShape="1">
-          <a:blip r:embed="rId6" cstate="print">
-            <a:extLst>
-              <a:ext uri="{28A0092B-C50C-407E-A947-70E740481C1C}">
-                <a14:useLocalDpi xmlns:a14="http://schemas.microsoft.com/office/drawing/2010/main" val="0"/>
-              </a:ext>
-            </a:extLst>
-          </a:blip>
           <a:srcRect t="23675" b="22789"/>
           <a:stretch/>
         </p:blipFill>
@@ -6351,7 +6283,7 @@
               </a:spcBef>
               <a:extLst>
                 <a:ext uri="{35155182-B16C-46BC-9424-99874614C6A1}">
-                  <wpsdc:indentchars xmlns:wpsdc="http://www.wps.cn/officeDocument/2017/drawingmlCustomData" xmlns="" val="200" checksum="3013784323"/>
+                  <wpsdc:indentchars xmlns="" xmlns:wpsdc="http://www.wps.cn/officeDocument/2017/drawingmlCustomData" val="200" checksum="3013784323"/>
                 </a:ext>
               </a:extLst>
             </a:pPr>
@@ -6377,7 +6309,7 @@
               </a:spcBef>
               <a:extLst>
                 <a:ext uri="{35155182-B16C-46BC-9424-99874614C6A1}">
-                  <wpsdc:indentchars xmlns:wpsdc="http://www.wps.cn/officeDocument/2017/drawingmlCustomData" xmlns="" val="200" checksum="3013784323"/>
+                  <wpsdc:indentchars xmlns="" xmlns:wpsdc="http://www.wps.cn/officeDocument/2017/drawingmlCustomData" val="200" checksum="3013784323"/>
                 </a:ext>
               </a:extLst>
             </a:pPr>
@@ -6403,7 +6335,7 @@
               </a:spcBef>
               <a:extLst>
                 <a:ext uri="{35155182-B16C-46BC-9424-99874614C6A1}">
-                  <wpsdc:indentchars xmlns:wpsdc="http://www.wps.cn/officeDocument/2017/drawingmlCustomData" xmlns="" val="200" checksum="3013784323"/>
+                  <wpsdc:indentchars xmlns="" xmlns:wpsdc="http://www.wps.cn/officeDocument/2017/drawingmlCustomData" val="200" checksum="3013784323"/>
                 </a:ext>
               </a:extLst>
             </a:pPr>
@@ -6431,10 +6363,82 @@
       </p:sp>
       <p:pic>
         <p:nvPicPr>
-          <p:cNvPr id="9" name="图片 8">
+          <p:cNvPr id="7" name="图片 6">
             <a:extLst>
               <a:ext uri="{FF2B5EF4-FFF2-40B4-BE49-F238E27FC236}">
-                <a16:creationId xmlns:a16="http://schemas.microsoft.com/office/drawing/2014/main" id="{301C9066-A0DD-B28D-68B1-2B42F737D0E1}"/>
+                <a16:creationId xmlns:a16="http://schemas.microsoft.com/office/drawing/2014/main" id="{33E210E3-CE49-88EB-7941-42FB5CDD6432}"/>
+              </a:ext>
+            </a:extLst>
+          </p:cNvPr>
+          <p:cNvPicPr>
+            <a:picLocks noChangeAspect="1"/>
+          </p:cNvPicPr>
+          <p:nvPr/>
+        </p:nvPicPr>
+        <p:blipFill>
+          <a:blip r:embed="rId5" cstate="print">
+            <a:extLst>
+              <a:ext uri="{28A0092B-C50C-407E-A947-70E740481C1C}">
+                <a14:useLocalDpi xmlns:a14="http://schemas.microsoft.com/office/drawing/2010/main" val="0"/>
+              </a:ext>
+            </a:extLst>
+          </a:blip>
+          <a:stretch>
+            <a:fillRect/>
+          </a:stretch>
+        </p:blipFill>
+        <p:spPr>
+          <a:xfrm>
+            <a:off x="3444793" y="5699464"/>
+            <a:ext cx="2934000" cy="1117462"/>
+          </a:xfrm>
+          <a:prstGeom prst="rect">
+            <a:avLst/>
+          </a:prstGeom>
+        </p:spPr>
+      </p:pic>
+      <p:pic>
+        <p:nvPicPr>
+          <p:cNvPr id="11" name="图片 10">
+            <a:extLst>
+              <a:ext uri="{FF2B5EF4-FFF2-40B4-BE49-F238E27FC236}">
+                <a16:creationId xmlns:a16="http://schemas.microsoft.com/office/drawing/2014/main" id="{662E55A7-16DB-66CD-2BBB-47BAD4C400B2}"/>
+              </a:ext>
+            </a:extLst>
+          </p:cNvPr>
+          <p:cNvPicPr>
+            <a:picLocks noChangeAspect="1"/>
+          </p:cNvPicPr>
+          <p:nvPr/>
+        </p:nvPicPr>
+        <p:blipFill>
+          <a:blip r:embed="rId6" cstate="print">
+            <a:extLst>
+              <a:ext uri="{28A0092B-C50C-407E-A947-70E740481C1C}">
+                <a14:useLocalDpi xmlns:a14="http://schemas.microsoft.com/office/drawing/2010/main" val="0"/>
+              </a:ext>
+            </a:extLst>
+          </a:blip>
+          <a:stretch>
+            <a:fillRect/>
+          </a:stretch>
+        </p:blipFill>
+        <p:spPr>
+          <a:xfrm>
+            <a:off x="545588" y="5529056"/>
+            <a:ext cx="2700000" cy="1421053"/>
+          </a:xfrm>
+          <a:prstGeom prst="rect">
+            <a:avLst/>
+          </a:prstGeom>
+        </p:spPr>
+      </p:pic>
+      <p:pic>
+        <p:nvPicPr>
+          <p:cNvPr id="12" name="图片 11">
+            <a:extLst>
+              <a:ext uri="{FF2B5EF4-FFF2-40B4-BE49-F238E27FC236}">
+                <a16:creationId xmlns:a16="http://schemas.microsoft.com/office/drawing/2014/main" id="{5CC9A124-32A3-9469-9C18-FA901F2529B9}"/>
               </a:ext>
             </a:extLst>
           </p:cNvPr>
@@ -6457,8 +6461,8 @@
         </p:blipFill>
         <p:spPr>
           <a:xfrm>
-            <a:off x="3405627" y="5686874"/>
-            <a:ext cx="2879570" cy="1108800"/>
+            <a:off x="2364154" y="7383615"/>
+            <a:ext cx="1911600" cy="1553828"/>
           </a:xfrm>
           <a:prstGeom prst="rect">
             <a:avLst/>
@@ -6467,10 +6471,10 @@
       </p:pic>
       <p:pic>
         <p:nvPicPr>
-          <p:cNvPr id="14" name="图片 13">
+          <p:cNvPr id="15" name="图片 14">
             <a:extLst>
               <a:ext uri="{FF2B5EF4-FFF2-40B4-BE49-F238E27FC236}">
-                <a16:creationId xmlns:a16="http://schemas.microsoft.com/office/drawing/2014/main" id="{9F00622B-B098-41E7-445C-807B0DEB13B8}"/>
+                <a16:creationId xmlns:a16="http://schemas.microsoft.com/office/drawing/2014/main" id="{0E620370-9D73-F7EB-EC2D-1F98644C92A7}"/>
               </a:ext>
             </a:extLst>
           </p:cNvPr>
@@ -6479,7 +6483,7 @@
           </p:cNvPicPr>
           <p:nvPr/>
         </p:nvPicPr>
-        <p:blipFill rotWithShape="1">
+        <p:blipFill>
           <a:blip r:embed="rId8" cstate="print">
             <a:extLst>
               <a:ext uri="{28A0092B-C50C-407E-A947-70E740481C1C}">
@@ -6487,13 +6491,14 @@
               </a:ext>
             </a:extLst>
           </a:blip>
-          <a:srcRect t="5971"/>
-          <a:stretch/>
+          <a:stretch>
+            <a:fillRect/>
+          </a:stretch>
         </p:blipFill>
         <p:spPr>
           <a:xfrm>
-            <a:off x="523200" y="5498205"/>
-            <a:ext cx="2689750" cy="1517480"/>
+            <a:off x="4405671" y="7363295"/>
+            <a:ext cx="2203200" cy="1574148"/>
           </a:xfrm>
           <a:prstGeom prst="rect">
             <a:avLst/>
